--- a/Slide/BSTAT5 - IntroR.pptx
+++ b/Slide/BSTAT5 - IntroR.pptx
@@ -8138,8 +8138,8 @@
           </a:p>
         </p:txBody>
       </p:sp>
-      <mc:AlternateContent xmlns:mc="http://schemas.openxmlformats.org/markup-compatibility/2006">
-        <mc:Choice xmlns:a14="http://schemas.microsoft.com/office/drawing/2010/main" Requires="a14">
+      <mc:AlternateContent xmlns:mc="http://schemas.openxmlformats.org/markup-compatibility/2006" xmlns:a14="http://schemas.microsoft.com/office/drawing/2010/main">
+        <mc:Choice Requires="a14">
           <p:sp>
             <p:nvSpPr>
               <p:cNvPr id="3" name="Segnaposto contenuto 2">
@@ -8516,7 +8516,7 @@
             </p:txBody>
           </p:sp>
         </mc:Choice>
-        <mc:Fallback>
+        <mc:Fallback xmlns="">
           <p:sp>
             <p:nvSpPr>
               <p:cNvPr id="3" name="Segnaposto contenuto 2">
@@ -9710,8 +9710,8 @@
           </a:p>
         </p:txBody>
       </p:sp>
-      <mc:AlternateContent xmlns:mc="http://schemas.openxmlformats.org/markup-compatibility/2006">
-        <mc:Choice xmlns:a14="http://schemas.microsoft.com/office/drawing/2010/main" Requires="a14">
+      <mc:AlternateContent xmlns:mc="http://schemas.openxmlformats.org/markup-compatibility/2006" xmlns:a14="http://schemas.microsoft.com/office/drawing/2010/main">
+        <mc:Choice Requires="a14">
           <p:sp>
             <p:nvSpPr>
               <p:cNvPr id="3" name="Segnaposto contenuto 2">
@@ -9896,7 +9896,7 @@
             </p:txBody>
           </p:sp>
         </mc:Choice>
-        <mc:Fallback>
+        <mc:Fallback xmlns="">
           <p:sp>
             <p:nvSpPr>
               <p:cNvPr id="3" name="Segnaposto contenuto 2">
@@ -12279,7 +12279,7 @@
             </a:r>
             <a:r>
               <a:rPr lang="it-IT" dirty="0"/>
-              <a:t> variabili le cui modalità possono assumere solo un numero finito di valori in un intervallo (es. il # di figli in una famiglia, l’età in anni compiuti).</a:t>
+              <a:t> variabili le cui modalità possono assumere solo un numero finito o un’infinità numerabile di valori (es. il # di figli in una famiglia, l’età in anni compiuti).</a:t>
             </a:r>
           </a:p>
         </p:txBody>
@@ -12541,8 +12541,8 @@
           </a:p>
         </p:txBody>
       </p:sp>
-      <mc:AlternateContent xmlns:mc="http://schemas.openxmlformats.org/markup-compatibility/2006" xmlns:a14="http://schemas.microsoft.com/office/drawing/2010/main">
-        <mc:Choice Requires="a14">
+      <mc:AlternateContent xmlns:mc="http://schemas.openxmlformats.org/markup-compatibility/2006">
+        <mc:Choice xmlns:a14="http://schemas.microsoft.com/office/drawing/2010/main" Requires="a14">
           <p:graphicFrame>
             <p:nvGraphicFramePr>
               <p:cNvPr id="5" name="Tabella 4">
@@ -12558,14 +12558,14 @@
               <p:nvPr>
                 <p:extLst>
                   <p:ext uri="{D42A27DB-BD31-4B8C-83A1-F6EECF244321}">
-                    <p14:modId xmlns:p14="http://schemas.microsoft.com/office/powerpoint/2010/main" val="4057115585"/>
+                    <p14:modId xmlns:p14="http://schemas.microsoft.com/office/powerpoint/2010/main" val="3068312665"/>
                   </p:ext>
                 </p:extLst>
               </p:nvPr>
             </p:nvGraphicFramePr>
             <p:xfrm>
-              <a:off x="968830" y="2770188"/>
-              <a:ext cx="10254340" cy="3406865"/>
+              <a:off x="968830" y="2678748"/>
+              <a:ext cx="10254340" cy="3960222"/>
             </p:xfrm>
             <a:graphic>
               <a:graphicData uri="http://schemas.openxmlformats.org/drawingml/2006/table">
@@ -13854,6 +13854,402 @@
                           <a:pPr algn="ctr"/>
                           <a:r>
                             <a:rPr lang="it-IT" dirty="0"/>
+                            <a:t>Unità </a:t>
+                          </a:r>
+                          <a14:m>
+                            <m:oMath xmlns:m="http://schemas.openxmlformats.org/officeDocument/2006/math">
+                              <m:r>
+                                <a:rPr lang="it-IT" b="0" i="1" smtClean="0">
+                                  <a:latin typeface="Cambria Math" panose="02040503050406030204" pitchFamily="18" charset="0"/>
+                                </a:rPr>
+                                <m:t>𝑖</m:t>
+                              </m:r>
+                            </m:oMath>
+                          </a14:m>
+                          <a:endParaRPr lang="it-IT" dirty="0"/>
+                        </a:p>
+                      </a:txBody>
+                      <a:tcPr>
+                        <a:lnR w="12700" cap="flat" cmpd="sng" algn="ctr">
+                          <a:solidFill>
+                            <a:schemeClr val="tx1"/>
+                          </a:solidFill>
+                          <a:prstDash val="solid"/>
+                          <a:round/>
+                          <a:headEnd type="none" w="med" len="med"/>
+                          <a:tailEnd type="none" w="med" len="med"/>
+                        </a:lnR>
+                        <a:lnT w="12700" cap="flat" cmpd="sng" algn="ctr">
+                          <a:solidFill>
+                            <a:schemeClr val="tx1"/>
+                          </a:solidFill>
+                          <a:prstDash val="solid"/>
+                          <a:round/>
+                          <a:headEnd type="none" w="med" len="med"/>
+                          <a:tailEnd type="none" w="med" len="med"/>
+                        </a:lnT>
+                        <a:lnB w="12700" cap="flat" cmpd="sng" algn="ctr">
+                          <a:solidFill>
+                            <a:schemeClr val="tx1"/>
+                          </a:solidFill>
+                          <a:prstDash val="solid"/>
+                          <a:round/>
+                          <a:headEnd type="none" w="med" len="med"/>
+                          <a:tailEnd type="none" w="med" len="med"/>
+                        </a:lnB>
+                      </a:tcPr>
+                    </a:tc>
+                    <a:tc>
+                      <a:txBody>
+                        <a:bodyPr/>
+                        <a:lstStyle/>
+                        <a:p>
+                          <a:pPr marL="0" marR="0" lvl="0" indent="0" algn="ctr" defTabSz="914400" rtl="0" eaLnBrk="1" fontAlgn="auto" latinLnBrk="0" hangingPunct="1">
+                            <a:lnSpc>
+                              <a:spcPct val="100000"/>
+                            </a:lnSpc>
+                            <a:spcBef>
+                              <a:spcPts val="0"/>
+                            </a:spcBef>
+                            <a:spcAft>
+                              <a:spcPts val="0"/>
+                            </a:spcAft>
+                            <a:buClrTx/>
+                            <a:buSzTx/>
+                            <a:buFontTx/>
+                            <a:buNone/>
+                            <a:tabLst/>
+                            <a:defRPr/>
+                          </a:pPr>
+                          <a14:m>
+                            <m:oMathPara xmlns:m="http://schemas.openxmlformats.org/officeDocument/2006/math">
+                              <m:oMathParaPr>
+                                <m:jc m:val="centerGroup"/>
+                              </m:oMathParaPr>
+                              <m:oMath xmlns:m="http://schemas.openxmlformats.org/officeDocument/2006/math">
+                                <m:sSub>
+                                  <m:sSubPr>
+                                    <m:ctrlPr>
+                                      <a:rPr lang="it-IT" b="0" i="1" smtClean="0">
+                                        <a:latin typeface="Cambria Math" panose="02040503050406030204" pitchFamily="18" charset="0"/>
+                                      </a:rPr>
+                                    </m:ctrlPr>
+                                  </m:sSubPr>
+                                  <m:e>
+                                    <m:r>
+                                      <a:rPr lang="it-IT" b="0" i="1" smtClean="0">
+                                        <a:latin typeface="Cambria Math" panose="02040503050406030204" pitchFamily="18" charset="0"/>
+                                      </a:rPr>
+                                      <m:t>𝑥</m:t>
+                                    </m:r>
+                                  </m:e>
+                                  <m:sub>
+                                    <m:r>
+                                      <a:rPr lang="it-IT" b="0" i="1" smtClean="0">
+                                        <a:latin typeface="Cambria Math" panose="02040503050406030204" pitchFamily="18" charset="0"/>
+                                      </a:rPr>
+                                      <m:t>𝑖</m:t>
+                                    </m:r>
+                                  </m:sub>
+                                </m:sSub>
+                              </m:oMath>
+                            </m:oMathPara>
+                          </a14:m>
+                          <a:endParaRPr lang="it-IT" b="0" dirty="0"/>
+                        </a:p>
+                      </a:txBody>
+                      <a:tcPr>
+                        <a:lnL w="12700" cap="flat" cmpd="sng" algn="ctr">
+                          <a:solidFill>
+                            <a:schemeClr val="tx1"/>
+                          </a:solidFill>
+                          <a:prstDash val="solid"/>
+                          <a:round/>
+                          <a:headEnd type="none" w="med" len="med"/>
+                          <a:tailEnd type="none" w="med" len="med"/>
+                        </a:lnL>
+                        <a:lnR w="12700" cap="flat" cmpd="sng" algn="ctr">
+                          <a:solidFill>
+                            <a:schemeClr val="tx1"/>
+                          </a:solidFill>
+                          <a:prstDash val="solid"/>
+                          <a:round/>
+                          <a:headEnd type="none" w="med" len="med"/>
+                          <a:tailEnd type="none" w="med" len="med"/>
+                        </a:lnR>
+                        <a:lnT w="12700" cap="flat" cmpd="sng" algn="ctr">
+                          <a:solidFill>
+                            <a:schemeClr val="tx1"/>
+                          </a:solidFill>
+                          <a:prstDash val="solid"/>
+                          <a:round/>
+                          <a:headEnd type="none" w="med" len="med"/>
+                          <a:tailEnd type="none" w="med" len="med"/>
+                        </a:lnT>
+                        <a:lnB w="12700" cap="flat" cmpd="sng" algn="ctr">
+                          <a:solidFill>
+                            <a:schemeClr val="tx1"/>
+                          </a:solidFill>
+                          <a:prstDash val="solid"/>
+                          <a:round/>
+                          <a:headEnd type="none" w="med" len="med"/>
+                          <a:tailEnd type="none" w="med" len="med"/>
+                        </a:lnB>
+                      </a:tcPr>
+                    </a:tc>
+                    <a:tc>
+                      <a:txBody>
+                        <a:bodyPr/>
+                        <a:lstStyle/>
+                        <a:p>
+                          <a:pPr marL="0" marR="0" lvl="0" indent="0" algn="ctr" defTabSz="914400" rtl="0" eaLnBrk="1" fontAlgn="auto" latinLnBrk="0" hangingPunct="1">
+                            <a:lnSpc>
+                              <a:spcPct val="100000"/>
+                            </a:lnSpc>
+                            <a:spcBef>
+                              <a:spcPts val="0"/>
+                            </a:spcBef>
+                            <a:spcAft>
+                              <a:spcPts val="0"/>
+                            </a:spcAft>
+                            <a:buClrTx/>
+                            <a:buSzTx/>
+                            <a:buFontTx/>
+                            <a:buNone/>
+                            <a:tabLst/>
+                            <a:defRPr/>
+                          </a:pPr>
+                          <a14:m>
+                            <m:oMathPara xmlns:m="http://schemas.openxmlformats.org/officeDocument/2006/math">
+                              <m:oMathParaPr>
+                                <m:jc m:val="centerGroup"/>
+                              </m:oMathParaPr>
+                              <m:oMath xmlns:m="http://schemas.openxmlformats.org/officeDocument/2006/math">
+                                <m:sSub>
+                                  <m:sSubPr>
+                                    <m:ctrlPr>
+                                      <a:rPr lang="it-IT" b="0" i="1" smtClean="0">
+                                        <a:latin typeface="Cambria Math" panose="02040503050406030204" pitchFamily="18" charset="0"/>
+                                      </a:rPr>
+                                    </m:ctrlPr>
+                                  </m:sSubPr>
+                                  <m:e>
+                                    <m:r>
+                                      <a:rPr lang="it-IT" b="0" i="1" smtClean="0">
+                                        <a:latin typeface="Cambria Math" panose="02040503050406030204" pitchFamily="18" charset="0"/>
+                                      </a:rPr>
+                                      <m:t>𝑦</m:t>
+                                    </m:r>
+                                  </m:e>
+                                  <m:sub>
+                                    <m:r>
+                                      <a:rPr lang="it-IT" b="0" i="1" smtClean="0">
+                                        <a:latin typeface="Cambria Math" panose="02040503050406030204" pitchFamily="18" charset="0"/>
+                                      </a:rPr>
+                                      <m:t>𝑖</m:t>
+                                    </m:r>
+                                  </m:sub>
+                                </m:sSub>
+                              </m:oMath>
+                            </m:oMathPara>
+                          </a14:m>
+                          <a:endParaRPr lang="it-IT" b="0" dirty="0"/>
+                        </a:p>
+                      </a:txBody>
+                      <a:tcPr>
+                        <a:lnL w="12700" cap="flat" cmpd="sng" algn="ctr">
+                          <a:solidFill>
+                            <a:schemeClr val="tx1"/>
+                          </a:solidFill>
+                          <a:prstDash val="solid"/>
+                          <a:round/>
+                          <a:headEnd type="none" w="med" len="med"/>
+                          <a:tailEnd type="none" w="med" len="med"/>
+                        </a:lnL>
+                        <a:lnR w="12700" cap="flat" cmpd="sng" algn="ctr">
+                          <a:solidFill>
+                            <a:schemeClr val="tx1"/>
+                          </a:solidFill>
+                          <a:prstDash val="solid"/>
+                          <a:round/>
+                          <a:headEnd type="none" w="med" len="med"/>
+                          <a:tailEnd type="none" w="med" len="med"/>
+                        </a:lnR>
+                        <a:lnT w="12700" cap="flat" cmpd="sng" algn="ctr">
+                          <a:solidFill>
+                            <a:schemeClr val="tx1"/>
+                          </a:solidFill>
+                          <a:prstDash val="solid"/>
+                          <a:round/>
+                          <a:headEnd type="none" w="med" len="med"/>
+                          <a:tailEnd type="none" w="med" len="med"/>
+                        </a:lnT>
+                        <a:lnB w="12700" cap="flat" cmpd="sng" algn="ctr">
+                          <a:solidFill>
+                            <a:schemeClr val="tx1"/>
+                          </a:solidFill>
+                          <a:prstDash val="solid"/>
+                          <a:round/>
+                          <a:headEnd type="none" w="med" len="med"/>
+                          <a:tailEnd type="none" w="med" len="med"/>
+                        </a:lnB>
+                      </a:tcPr>
+                    </a:tc>
+                    <a:tc>
+                      <a:txBody>
+                        <a:bodyPr/>
+                        <a:lstStyle/>
+                        <a:p>
+                          <a:pPr algn="ctr"/>
+                          <a:r>
+                            <a:rPr lang="it-IT" dirty="0"/>
+                            <a:t>…</a:t>
+                          </a:r>
+                        </a:p>
+                      </a:txBody>
+                      <a:tcPr>
+                        <a:lnL w="12700" cap="flat" cmpd="sng" algn="ctr">
+                          <a:solidFill>
+                            <a:schemeClr val="tx1"/>
+                          </a:solidFill>
+                          <a:prstDash val="solid"/>
+                          <a:round/>
+                          <a:headEnd type="none" w="med" len="med"/>
+                          <a:tailEnd type="none" w="med" len="med"/>
+                        </a:lnL>
+                        <a:lnR w="12700" cap="flat" cmpd="sng" algn="ctr">
+                          <a:solidFill>
+                            <a:schemeClr val="tx1"/>
+                          </a:solidFill>
+                          <a:prstDash val="solid"/>
+                          <a:round/>
+                          <a:headEnd type="none" w="med" len="med"/>
+                          <a:tailEnd type="none" w="med" len="med"/>
+                        </a:lnR>
+                        <a:lnT w="12700" cap="flat" cmpd="sng" algn="ctr">
+                          <a:solidFill>
+                            <a:schemeClr val="tx1"/>
+                          </a:solidFill>
+                          <a:prstDash val="solid"/>
+                          <a:round/>
+                          <a:headEnd type="none" w="med" len="med"/>
+                          <a:tailEnd type="none" w="med" len="med"/>
+                        </a:lnT>
+                        <a:lnB w="12700" cap="flat" cmpd="sng" algn="ctr">
+                          <a:solidFill>
+                            <a:schemeClr val="tx1"/>
+                          </a:solidFill>
+                          <a:prstDash val="solid"/>
+                          <a:round/>
+                          <a:headEnd type="none" w="med" len="med"/>
+                          <a:tailEnd type="none" w="med" len="med"/>
+                        </a:lnB>
+                      </a:tcPr>
+                    </a:tc>
+                    <a:tc>
+                      <a:txBody>
+                        <a:bodyPr/>
+                        <a:lstStyle/>
+                        <a:p>
+                          <a:pPr marL="0" marR="0" lvl="0" indent="0" algn="ctr" defTabSz="914400" rtl="0" eaLnBrk="1" fontAlgn="auto" latinLnBrk="0" hangingPunct="1">
+                            <a:lnSpc>
+                              <a:spcPct val="100000"/>
+                            </a:lnSpc>
+                            <a:spcBef>
+                              <a:spcPts val="0"/>
+                            </a:spcBef>
+                            <a:spcAft>
+                              <a:spcPts val="0"/>
+                            </a:spcAft>
+                            <a:buClrTx/>
+                            <a:buSzTx/>
+                            <a:buFontTx/>
+                            <a:buNone/>
+                            <a:tabLst/>
+                            <a:defRPr/>
+                          </a:pPr>
+                          <a14:m>
+                            <m:oMathPara xmlns:m="http://schemas.openxmlformats.org/officeDocument/2006/math">
+                              <m:oMathParaPr>
+                                <m:jc m:val="centerGroup"/>
+                              </m:oMathParaPr>
+                              <m:oMath xmlns:m="http://schemas.openxmlformats.org/officeDocument/2006/math">
+                                <m:sSub>
+                                  <m:sSubPr>
+                                    <m:ctrlPr>
+                                      <a:rPr lang="it-IT" b="0" i="1" smtClean="0">
+                                        <a:latin typeface="Cambria Math" panose="02040503050406030204" pitchFamily="18" charset="0"/>
+                                      </a:rPr>
+                                    </m:ctrlPr>
+                                  </m:sSubPr>
+                                  <m:e>
+                                    <m:r>
+                                      <a:rPr lang="it-IT" b="0" i="1" smtClean="0">
+                                        <a:latin typeface="Cambria Math" panose="02040503050406030204" pitchFamily="18" charset="0"/>
+                                      </a:rPr>
+                                      <m:t>𝑧</m:t>
+                                    </m:r>
+                                  </m:e>
+                                  <m:sub>
+                                    <m:r>
+                                      <a:rPr lang="it-IT" b="0" i="1" smtClean="0">
+                                        <a:latin typeface="Cambria Math" panose="02040503050406030204" pitchFamily="18" charset="0"/>
+                                      </a:rPr>
+                                      <m:t>𝑖</m:t>
+                                    </m:r>
+                                  </m:sub>
+                                </m:sSub>
+                              </m:oMath>
+                            </m:oMathPara>
+                          </a14:m>
+                          <a:endParaRPr lang="it-IT" b="0" dirty="0"/>
+                        </a:p>
+                      </a:txBody>
+                      <a:tcPr>
+                        <a:lnL w="12700" cap="flat" cmpd="sng" algn="ctr">
+                          <a:solidFill>
+                            <a:schemeClr val="tx1"/>
+                          </a:solidFill>
+                          <a:prstDash val="solid"/>
+                          <a:round/>
+                          <a:headEnd type="none" w="med" len="med"/>
+                          <a:tailEnd type="none" w="med" len="med"/>
+                        </a:lnL>
+                        <a:lnT w="12700" cap="flat" cmpd="sng" algn="ctr">
+                          <a:solidFill>
+                            <a:schemeClr val="tx1"/>
+                          </a:solidFill>
+                          <a:prstDash val="solid"/>
+                          <a:round/>
+                          <a:headEnd type="none" w="med" len="med"/>
+                          <a:tailEnd type="none" w="med" len="med"/>
+                        </a:lnT>
+                        <a:lnB w="12700" cap="flat" cmpd="sng" algn="ctr">
+                          <a:solidFill>
+                            <a:schemeClr val="tx1"/>
+                          </a:solidFill>
+                          <a:prstDash val="solid"/>
+                          <a:round/>
+                          <a:headEnd type="none" w="med" len="med"/>
+                          <a:tailEnd type="none" w="med" len="med"/>
+                        </a:lnB>
+                      </a:tcPr>
+                    </a:tc>
+                    <a:extLst>
+                      <a:ext uri="{0D108BD9-81ED-4DB2-BD59-A6C34878D82A}">
+                        <a16:rowId xmlns:a16="http://schemas.microsoft.com/office/drawing/2014/main" val="3104079203"/>
+                      </a:ext>
+                    </a:extLst>
+                  </a:tr>
+                  <a:tr h="553357">
+                    <a:tc>
+                      <a:txBody>
+                        <a:bodyPr/>
+                        <a:lstStyle/>
+                        <a:p>
+                          <a:pPr algn="ctr"/>
+                          <a:r>
+                            <a:rPr lang="it-IT" dirty="0"/>
                             <a:t>…</a:t>
                           </a:r>
                         </a:p>
@@ -14434,7 +14830,7 @@
             </a:graphic>
           </p:graphicFrame>
         </mc:Choice>
-        <mc:Fallback xmlns="">
+        <mc:Fallback>
           <p:graphicFrame>
             <p:nvGraphicFramePr>
               <p:cNvPr id="5" name="Tabella 4">
@@ -14450,14 +14846,14 @@
               <p:nvPr>
                 <p:extLst>
                   <p:ext uri="{D42A27DB-BD31-4B8C-83A1-F6EECF244321}">
-                    <p14:modId xmlns:p14="http://schemas.microsoft.com/office/powerpoint/2010/main" val="4057115585"/>
+                    <p14:modId xmlns:p14="http://schemas.microsoft.com/office/powerpoint/2010/main" val="3068312665"/>
                   </p:ext>
                 </p:extLst>
               </p:nvPr>
             </p:nvGraphicFramePr>
             <p:xfrm>
-              <a:off x="968830" y="2770188"/>
-              <a:ext cx="10254340" cy="3406865"/>
+              <a:off x="968830" y="2678748"/>
+              <a:ext cx="10254340" cy="3960222"/>
             </p:xfrm>
             <a:graphic>
               <a:graphicData uri="http://schemas.openxmlformats.org/drawingml/2006/table">
@@ -14862,7 +15258,7 @@
                         <a:blipFill>
                           <a:blip r:embed="rId2"/>
                           <a:stretch>
-                            <a:fillRect l="-101484" t="-120879" r="-303858" b="-416484"/>
+                            <a:fillRect l="-101484" t="-120879" r="-303858" b="-515385"/>
                           </a:stretch>
                         </a:blipFill>
                       </a:tcPr>
@@ -14915,7 +15311,7 @@
                         <a:blipFill>
                           <a:blip r:embed="rId2"/>
                           <a:stretch>
-                            <a:fillRect l="-202083" t="-120879" r="-204762" b="-416484"/>
+                            <a:fillRect l="-202083" t="-120879" r="-204762" b="-515385"/>
                           </a:stretch>
                         </a:blipFill>
                       </a:tcPr>
@@ -15010,7 +15406,7 @@
                         <a:blipFill>
                           <a:blip r:embed="rId2"/>
                           <a:stretch>
-                            <a:fillRect l="-401187" t="-120879" r="-4154" b="-416484"/>
+                            <a:fillRect l="-401187" t="-120879" r="-4154" b="-515385"/>
                           </a:stretch>
                         </a:blipFill>
                       </a:tcPr>
@@ -15112,7 +15508,7 @@
                         <a:blipFill>
                           <a:blip r:embed="rId2"/>
                           <a:stretch>
-                            <a:fillRect l="-101484" t="-220879" r="-303858" b="-316484"/>
+                            <a:fillRect l="-101484" t="-220879" r="-303858" b="-415385"/>
                           </a:stretch>
                         </a:blipFill>
                       </a:tcPr>
@@ -15165,7 +15561,7 @@
                         <a:blipFill>
                           <a:blip r:embed="rId2"/>
                           <a:stretch>
-                            <a:fillRect l="-202083" t="-220879" r="-204762" b="-316484"/>
+                            <a:fillRect l="-202083" t="-220879" r="-204762" b="-415385"/>
                           </a:stretch>
                         </a:blipFill>
                       </a:tcPr>
@@ -15260,7 +15656,7 @@
                         <a:blipFill>
                           <a:blip r:embed="rId2"/>
                           <a:stretch>
-                            <a:fillRect l="-401187" t="-220879" r="-4154" b="-316484"/>
+                            <a:fillRect l="-401187" t="-220879" r="-4154" b="-415385"/>
                           </a:stretch>
                         </a:blipFill>
                       </a:tcPr>
@@ -15521,6 +15917,258 @@
                         <a:bodyPr/>
                         <a:lstStyle/>
                         <a:p>
+                          <a:endParaRPr lang="it-IT"/>
+                        </a:p>
+                      </a:txBody>
+                      <a:tcPr>
+                        <a:lnR w="12700" cap="flat" cmpd="sng" algn="ctr">
+                          <a:solidFill>
+                            <a:schemeClr val="tx1"/>
+                          </a:solidFill>
+                          <a:prstDash val="solid"/>
+                          <a:round/>
+                          <a:headEnd type="none" w="med" len="med"/>
+                          <a:tailEnd type="none" w="med" len="med"/>
+                        </a:lnR>
+                        <a:lnT w="12700" cap="flat" cmpd="sng" algn="ctr">
+                          <a:solidFill>
+                            <a:schemeClr val="tx1"/>
+                          </a:solidFill>
+                          <a:prstDash val="solid"/>
+                          <a:round/>
+                          <a:headEnd type="none" w="med" len="med"/>
+                          <a:tailEnd type="none" w="med" len="med"/>
+                        </a:lnT>
+                        <a:lnB w="12700" cap="flat" cmpd="sng" algn="ctr">
+                          <a:solidFill>
+                            <a:schemeClr val="tx1"/>
+                          </a:solidFill>
+                          <a:prstDash val="solid"/>
+                          <a:round/>
+                          <a:headEnd type="none" w="med" len="med"/>
+                          <a:tailEnd type="none" w="med" len="med"/>
+                        </a:lnB>
+                        <a:blipFill>
+                          <a:blip r:embed="rId2"/>
+                          <a:stretch>
+                            <a:fillRect l="-1484" t="-420879" r="-403858" b="-215385"/>
+                          </a:stretch>
+                        </a:blipFill>
+                      </a:tcPr>
+                    </a:tc>
+                    <a:tc>
+                      <a:txBody>
+                        <a:bodyPr/>
+                        <a:lstStyle/>
+                        <a:p>
+                          <a:endParaRPr lang="it-IT"/>
+                        </a:p>
+                      </a:txBody>
+                      <a:tcPr>
+                        <a:lnL w="12700" cap="flat" cmpd="sng" algn="ctr">
+                          <a:solidFill>
+                            <a:schemeClr val="tx1"/>
+                          </a:solidFill>
+                          <a:prstDash val="solid"/>
+                          <a:round/>
+                          <a:headEnd type="none" w="med" len="med"/>
+                          <a:tailEnd type="none" w="med" len="med"/>
+                        </a:lnL>
+                        <a:lnR w="12700" cap="flat" cmpd="sng" algn="ctr">
+                          <a:solidFill>
+                            <a:schemeClr val="tx1"/>
+                          </a:solidFill>
+                          <a:prstDash val="solid"/>
+                          <a:round/>
+                          <a:headEnd type="none" w="med" len="med"/>
+                          <a:tailEnd type="none" w="med" len="med"/>
+                        </a:lnR>
+                        <a:lnT w="12700" cap="flat" cmpd="sng" algn="ctr">
+                          <a:solidFill>
+                            <a:schemeClr val="tx1"/>
+                          </a:solidFill>
+                          <a:prstDash val="solid"/>
+                          <a:round/>
+                          <a:headEnd type="none" w="med" len="med"/>
+                          <a:tailEnd type="none" w="med" len="med"/>
+                        </a:lnT>
+                        <a:lnB w="12700" cap="flat" cmpd="sng" algn="ctr">
+                          <a:solidFill>
+                            <a:schemeClr val="tx1"/>
+                          </a:solidFill>
+                          <a:prstDash val="solid"/>
+                          <a:round/>
+                          <a:headEnd type="none" w="med" len="med"/>
+                          <a:tailEnd type="none" w="med" len="med"/>
+                        </a:lnB>
+                        <a:blipFill>
+                          <a:blip r:embed="rId2"/>
+                          <a:stretch>
+                            <a:fillRect l="-101484" t="-420879" r="-303858" b="-215385"/>
+                          </a:stretch>
+                        </a:blipFill>
+                      </a:tcPr>
+                    </a:tc>
+                    <a:tc>
+                      <a:txBody>
+                        <a:bodyPr/>
+                        <a:lstStyle/>
+                        <a:p>
+                          <a:endParaRPr lang="it-IT"/>
+                        </a:p>
+                      </a:txBody>
+                      <a:tcPr>
+                        <a:lnL w="12700" cap="flat" cmpd="sng" algn="ctr">
+                          <a:solidFill>
+                            <a:schemeClr val="tx1"/>
+                          </a:solidFill>
+                          <a:prstDash val="solid"/>
+                          <a:round/>
+                          <a:headEnd type="none" w="med" len="med"/>
+                          <a:tailEnd type="none" w="med" len="med"/>
+                        </a:lnL>
+                        <a:lnR w="12700" cap="flat" cmpd="sng" algn="ctr">
+                          <a:solidFill>
+                            <a:schemeClr val="tx1"/>
+                          </a:solidFill>
+                          <a:prstDash val="solid"/>
+                          <a:round/>
+                          <a:headEnd type="none" w="med" len="med"/>
+                          <a:tailEnd type="none" w="med" len="med"/>
+                        </a:lnR>
+                        <a:lnT w="12700" cap="flat" cmpd="sng" algn="ctr">
+                          <a:solidFill>
+                            <a:schemeClr val="tx1"/>
+                          </a:solidFill>
+                          <a:prstDash val="solid"/>
+                          <a:round/>
+                          <a:headEnd type="none" w="med" len="med"/>
+                          <a:tailEnd type="none" w="med" len="med"/>
+                        </a:lnT>
+                        <a:lnB w="12700" cap="flat" cmpd="sng" algn="ctr">
+                          <a:solidFill>
+                            <a:schemeClr val="tx1"/>
+                          </a:solidFill>
+                          <a:prstDash val="solid"/>
+                          <a:round/>
+                          <a:headEnd type="none" w="med" len="med"/>
+                          <a:tailEnd type="none" w="med" len="med"/>
+                        </a:lnB>
+                        <a:blipFill>
+                          <a:blip r:embed="rId2"/>
+                          <a:stretch>
+                            <a:fillRect l="-202083" t="-420879" r="-204762" b="-215385"/>
+                          </a:stretch>
+                        </a:blipFill>
+                      </a:tcPr>
+                    </a:tc>
+                    <a:tc>
+                      <a:txBody>
+                        <a:bodyPr/>
+                        <a:lstStyle/>
+                        <a:p>
+                          <a:pPr algn="ctr"/>
+                          <a:r>
+                            <a:rPr lang="it-IT" dirty="0"/>
+                            <a:t>…</a:t>
+                          </a:r>
+                        </a:p>
+                      </a:txBody>
+                      <a:tcPr>
+                        <a:lnL w="12700" cap="flat" cmpd="sng" algn="ctr">
+                          <a:solidFill>
+                            <a:schemeClr val="tx1"/>
+                          </a:solidFill>
+                          <a:prstDash val="solid"/>
+                          <a:round/>
+                          <a:headEnd type="none" w="med" len="med"/>
+                          <a:tailEnd type="none" w="med" len="med"/>
+                        </a:lnL>
+                        <a:lnR w="12700" cap="flat" cmpd="sng" algn="ctr">
+                          <a:solidFill>
+                            <a:schemeClr val="tx1"/>
+                          </a:solidFill>
+                          <a:prstDash val="solid"/>
+                          <a:round/>
+                          <a:headEnd type="none" w="med" len="med"/>
+                          <a:tailEnd type="none" w="med" len="med"/>
+                        </a:lnR>
+                        <a:lnT w="12700" cap="flat" cmpd="sng" algn="ctr">
+                          <a:solidFill>
+                            <a:schemeClr val="tx1"/>
+                          </a:solidFill>
+                          <a:prstDash val="solid"/>
+                          <a:round/>
+                          <a:headEnd type="none" w="med" len="med"/>
+                          <a:tailEnd type="none" w="med" len="med"/>
+                        </a:lnT>
+                        <a:lnB w="12700" cap="flat" cmpd="sng" algn="ctr">
+                          <a:solidFill>
+                            <a:schemeClr val="tx1"/>
+                          </a:solidFill>
+                          <a:prstDash val="solid"/>
+                          <a:round/>
+                          <a:headEnd type="none" w="med" len="med"/>
+                          <a:tailEnd type="none" w="med" len="med"/>
+                        </a:lnB>
+                      </a:tcPr>
+                    </a:tc>
+                    <a:tc>
+                      <a:txBody>
+                        <a:bodyPr/>
+                        <a:lstStyle/>
+                        <a:p>
+                          <a:endParaRPr lang="it-IT"/>
+                        </a:p>
+                      </a:txBody>
+                      <a:tcPr>
+                        <a:lnL w="12700" cap="flat" cmpd="sng" algn="ctr">
+                          <a:solidFill>
+                            <a:schemeClr val="tx1"/>
+                          </a:solidFill>
+                          <a:prstDash val="solid"/>
+                          <a:round/>
+                          <a:headEnd type="none" w="med" len="med"/>
+                          <a:tailEnd type="none" w="med" len="med"/>
+                        </a:lnL>
+                        <a:lnT w="12700" cap="flat" cmpd="sng" algn="ctr">
+                          <a:solidFill>
+                            <a:schemeClr val="tx1"/>
+                          </a:solidFill>
+                          <a:prstDash val="solid"/>
+                          <a:round/>
+                          <a:headEnd type="none" w="med" len="med"/>
+                          <a:tailEnd type="none" w="med" len="med"/>
+                        </a:lnT>
+                        <a:lnB w="12700" cap="flat" cmpd="sng" algn="ctr">
+                          <a:solidFill>
+                            <a:schemeClr val="tx1"/>
+                          </a:solidFill>
+                          <a:prstDash val="solid"/>
+                          <a:round/>
+                          <a:headEnd type="none" w="med" len="med"/>
+                          <a:tailEnd type="none" w="med" len="med"/>
+                        </a:lnB>
+                        <a:blipFill>
+                          <a:blip r:embed="rId2"/>
+                          <a:stretch>
+                            <a:fillRect l="-401187" t="-420879" r="-4154" b="-215385"/>
+                          </a:stretch>
+                        </a:blipFill>
+                      </a:tcPr>
+                    </a:tc>
+                    <a:extLst>
+                      <a:ext uri="{0D108BD9-81ED-4DB2-BD59-A6C34878D82A}">
+                        <a16:rowId xmlns:a16="http://schemas.microsoft.com/office/drawing/2014/main" val="3104079203"/>
+                      </a:ext>
+                    </a:extLst>
+                  </a:tr>
+                  <a:tr h="553357">
+                    <a:tc>
+                      <a:txBody>
+                        <a:bodyPr/>
+                        <a:lstStyle/>
+                        <a:p>
                           <a:pPr algn="ctr"/>
                           <a:r>
                             <a:rPr lang="it-IT" dirty="0"/>
@@ -15832,7 +16480,7 @@
                         <a:blipFill>
                           <a:blip r:embed="rId2"/>
                           <a:stretch>
-                            <a:fillRect l="-101484" t="-520879" r="-303858" b="-16484"/>
+                            <a:fillRect l="-101484" t="-620879" r="-303858" b="-15385"/>
                           </a:stretch>
                         </a:blipFill>
                       </a:tcPr>
@@ -15876,7 +16524,7 @@
                         <a:blipFill>
                           <a:blip r:embed="rId2"/>
                           <a:stretch>
-                            <a:fillRect l="-202083" t="-520879" r="-204762" b="-16484"/>
+                            <a:fillRect l="-202083" t="-620879" r="-204762" b="-15385"/>
                           </a:stretch>
                         </a:blipFill>
                       </a:tcPr>
@@ -15953,7 +16601,7 @@
                         <a:blipFill>
                           <a:blip r:embed="rId2"/>
                           <a:stretch>
-                            <a:fillRect l="-401187" t="-520879" r="-4154" b="-16484"/>
+                            <a:fillRect l="-401187" t="-620879" r="-4154" b="-15385"/>
                           </a:stretch>
                         </a:blipFill>
                       </a:tcPr>

--- a/Slide/BSTAT5 - IntroR.pptx
+++ b/Slide/BSTAT5 - IntroR.pptx
@@ -4936,8 +4936,8 @@
           </a:p>
         </p:txBody>
       </p:sp>
-      <mc:AlternateContent xmlns:mc="http://schemas.openxmlformats.org/markup-compatibility/2006" xmlns:a14="http://schemas.microsoft.com/office/drawing/2010/main">
-        <mc:Choice Requires="a14">
+      <mc:AlternateContent xmlns:mc="http://schemas.openxmlformats.org/markup-compatibility/2006">
+        <mc:Choice xmlns:a14="http://schemas.microsoft.com/office/drawing/2010/main" Requires="a14">
           <p:sp>
             <p:nvSpPr>
               <p:cNvPr id="7" name="Segnaposto contenuto 6">
@@ -5555,7 +5555,7 @@
             </p:txBody>
           </p:sp>
         </mc:Choice>
-        <mc:Fallback xmlns="">
+        <mc:Fallback>
           <p:sp>
             <p:nvSpPr>
               <p:cNvPr id="7" name="Segnaposto contenuto 6">
@@ -6101,14 +6101,14 @@
           <p:nvPr>
             <p:extLst>
               <p:ext uri="{D42A27DB-BD31-4B8C-83A1-F6EECF244321}">
-                <p14:modId xmlns:p14="http://schemas.microsoft.com/office/powerpoint/2010/main" val="1086794593"/>
+                <p14:modId xmlns:p14="http://schemas.microsoft.com/office/powerpoint/2010/main" val="1496360161"/>
               </p:ext>
             </p:extLst>
           </p:nvPr>
         </p:nvGraphicFramePr>
         <p:xfrm>
           <a:off x="384333" y="1434871"/>
-          <a:ext cx="11068491" cy="1010920"/>
+          <a:ext cx="11143379" cy="741680"/>
         </p:xfrm>
         <a:graphic>
           <a:graphicData uri="http://schemas.openxmlformats.org/drawingml/2006/table">
@@ -6131,7 +6131,7 @@
                     </a:ext>
                   </a:extLst>
                 </a:gridCol>
-                <a:gridCol w="1564174">
+                <a:gridCol w="1639062">
                   <a:extLst>
                     <a:ext uri="{9D8B030D-6E8A-4147-A177-3AD203B41FA5}">
                       <a16:colId xmlns:a16="http://schemas.microsoft.com/office/drawing/2014/main" val="806493636"/>
@@ -6402,8 +6402,8 @@
           </a:graphicData>
         </a:graphic>
       </p:graphicFrame>
-      <mc:AlternateContent xmlns:mc="http://schemas.openxmlformats.org/markup-compatibility/2006" xmlns:a14="http://schemas.microsoft.com/office/drawing/2010/main">
-        <mc:Choice Requires="a14">
+      <mc:AlternateContent xmlns:mc="http://schemas.openxmlformats.org/markup-compatibility/2006">
+        <mc:Choice xmlns:a14="http://schemas.microsoft.com/office/drawing/2010/main" Requires="a14">
           <p:graphicFrame>
             <p:nvGraphicFramePr>
               <p:cNvPr id="5" name="Tabella 4">
@@ -6419,14 +6419,14 @@
               <p:nvPr>
                 <p:extLst>
                   <p:ext uri="{D42A27DB-BD31-4B8C-83A1-F6EECF244321}">
-                    <p14:modId xmlns:p14="http://schemas.microsoft.com/office/powerpoint/2010/main" val="1389126382"/>
+                    <p14:modId xmlns:p14="http://schemas.microsoft.com/office/powerpoint/2010/main" val="495427426"/>
                   </p:ext>
                 </p:extLst>
               </p:nvPr>
             </p:nvGraphicFramePr>
             <p:xfrm>
-              <a:off x="384332" y="2699735"/>
-              <a:ext cx="11068491" cy="1403096"/>
+              <a:off x="384333" y="2862072"/>
+              <a:ext cx="11143379" cy="1133856"/>
             </p:xfrm>
             <a:graphic>
               <a:graphicData uri="http://schemas.openxmlformats.org/drawingml/2006/table">
@@ -6449,7 +6449,7 @@
                         </a:ext>
                       </a:extLst>
                     </a:gridCol>
-                    <a:gridCol w="1564174">
+                    <a:gridCol w="1639062">
                       <a:extLst>
                         <a:ext uri="{9D8B030D-6E8A-4147-A177-3AD203B41FA5}">
                           <a16:colId xmlns:a16="http://schemas.microsoft.com/office/drawing/2014/main" val="806493636"/>
@@ -6720,7 +6720,7 @@
                           <a:pPr algn="ctr"/>
                           <a:r>
                             <a:rPr lang="it-IT" dirty="0"/>
-                            <a:t>8,5</a:t>
+                            <a:t>8.5</a:t>
                           </a:r>
                         </a:p>
                       </a:txBody>
@@ -7079,7 +7079,7 @@
             </a:graphic>
           </p:graphicFrame>
         </mc:Choice>
-        <mc:Fallback xmlns="">
+        <mc:Fallback>
           <p:graphicFrame>
             <p:nvGraphicFramePr>
               <p:cNvPr id="5" name="Tabella 4">
@@ -7095,14 +7095,14 @@
               <p:nvPr>
                 <p:extLst>
                   <p:ext uri="{D42A27DB-BD31-4B8C-83A1-F6EECF244321}">
-                    <p14:modId xmlns:p14="http://schemas.microsoft.com/office/powerpoint/2010/main" val="1389126382"/>
+                    <p14:modId xmlns:p14="http://schemas.microsoft.com/office/powerpoint/2010/main" val="495427426"/>
                   </p:ext>
                 </p:extLst>
               </p:nvPr>
             </p:nvGraphicFramePr>
             <p:xfrm>
-              <a:off x="384332" y="2699735"/>
-              <a:ext cx="11068491" cy="1133856"/>
+              <a:off x="384333" y="2862072"/>
+              <a:ext cx="11143379" cy="1133856"/>
             </p:xfrm>
             <a:graphic>
               <a:graphicData uri="http://schemas.openxmlformats.org/drawingml/2006/table">
@@ -7125,7 +7125,7 @@
                         </a:ext>
                       </a:extLst>
                     </a:gridCol>
-                    <a:gridCol w="1564174">
+                    <a:gridCol w="1639062">
                       <a:extLst>
                         <a:ext uri="{9D8B030D-6E8A-4147-A177-3AD203B41FA5}">
                           <a16:colId xmlns:a16="http://schemas.microsoft.com/office/drawing/2014/main" val="806493636"/>
@@ -7396,7 +7396,7 @@
                           <a:pPr algn="ctr"/>
                           <a:r>
                             <a:rPr lang="it-IT" dirty="0"/>
-                            <a:t>8,5</a:t>
+                            <a:t>8.5</a:t>
                           </a:r>
                         </a:p>
                       </a:txBody>
@@ -7431,7 +7431,7 @@
                         <a:blipFill>
                           <a:blip r:embed="rId3"/>
                           <a:stretch>
-                            <a:fillRect l="-91051" t="-195385" r="-523346" b="-23077"/>
+                            <a:fillRect l="-87361" t="-195385" r="-499628" b="-23077"/>
                           </a:stretch>
                         </a:blipFill>
                       </a:tcPr>
@@ -7448,7 +7448,7 @@
                         <a:blipFill>
                           <a:blip r:embed="rId3"/>
                           <a:stretch>
-                            <a:fillRect l="-258421" t="-195385" r="-607895" b="-23077"/>
+                            <a:fillRect l="-265263" t="-195385" r="-607368" b="-23077"/>
                           </a:stretch>
                         </a:blipFill>
                       </a:tcPr>
@@ -7465,7 +7465,7 @@
                         <a:blipFill>
                           <a:blip r:embed="rId3"/>
                           <a:stretch>
-                            <a:fillRect l="-214826" t="-195385" r="-264353" b="-23077"/>
+                            <a:fillRect l="-218927" t="-195385" r="-264038" b="-23077"/>
                           </a:stretch>
                         </a:blipFill>
                       </a:tcPr>
@@ -7482,7 +7482,7 @@
                         <a:blipFill>
                           <a:blip r:embed="rId3"/>
                           <a:stretch>
-                            <a:fillRect l="-350175" t="-195385" r="-194035" b="-23077"/>
+                            <a:fillRect l="-354737" t="-195385" r="-193684" b="-23077"/>
                           </a:stretch>
                         </a:blipFill>
                       </a:tcPr>
@@ -7499,7 +7499,7 @@
                         <a:blipFill>
                           <a:blip r:embed="rId3"/>
                           <a:stretch>
-                            <a:fillRect l="-657949" t="-195385" r="-183590" b="-23077"/>
+                            <a:fillRect l="-664615" t="-195385" r="-183077" b="-23077"/>
                           </a:stretch>
                         </a:blipFill>
                       </a:tcPr>
@@ -7516,7 +7516,7 @@
                         <a:blipFill>
                           <a:blip r:embed="rId3"/>
                           <a:stretch>
-                            <a:fillRect l="-430904" t="-195385" r="-4373" b="-23077"/>
+                            <a:fillRect l="-434694" t="-195385" r="-4082" b="-23077"/>
                           </a:stretch>
                         </a:blipFill>
                       </a:tcPr>
@@ -12541,8 +12541,8 @@
           </a:p>
         </p:txBody>
       </p:sp>
-      <mc:AlternateContent xmlns:mc="http://schemas.openxmlformats.org/markup-compatibility/2006">
-        <mc:Choice xmlns:a14="http://schemas.microsoft.com/office/drawing/2010/main" Requires="a14">
+      <mc:AlternateContent xmlns:mc="http://schemas.openxmlformats.org/markup-compatibility/2006" xmlns:a14="http://schemas.microsoft.com/office/drawing/2010/main">
+        <mc:Choice Requires="a14">
           <p:graphicFrame>
             <p:nvGraphicFramePr>
               <p:cNvPr id="5" name="Tabella 4">
@@ -14830,7 +14830,7 @@
             </a:graphic>
           </p:graphicFrame>
         </mc:Choice>
-        <mc:Fallback>
+        <mc:Fallback xmlns="">
           <p:graphicFrame>
             <p:nvGraphicFramePr>
               <p:cNvPr id="5" name="Tabella 4">
@@ -17266,8 +17266,8 @@
           </a:p>
         </p:txBody>
       </p:sp>
-      <mc:AlternateContent xmlns:mc="http://schemas.openxmlformats.org/markup-compatibility/2006" xmlns:a14="http://schemas.microsoft.com/office/drawing/2010/main">
-        <mc:Choice Requires="a14">
+      <mc:AlternateContent xmlns:mc="http://schemas.openxmlformats.org/markup-compatibility/2006">
+        <mc:Choice xmlns:a14="http://schemas.microsoft.com/office/drawing/2010/main" Requires="a14">
           <p:sp>
             <p:nvSpPr>
               <p:cNvPr id="3" name="Segnaposto contenuto 2">
@@ -17646,7 +17646,19 @@
                             <a:rPr lang="it-IT" b="0" i="1" smtClean="0">
                               <a:latin typeface="Cambria Math" panose="02040503050406030204" pitchFamily="18" charset="0"/>
                             </a:rPr>
-                            <m:t>2+8+7+8,5+7+6.5</m:t>
+                            <m:t>2+8+7+8</m:t>
+                          </m:r>
+                          <m:r>
+                            <a:rPr lang="it-IT" b="0" i="1" smtClean="0">
+                              <a:latin typeface="Cambria Math" panose="02040503050406030204" pitchFamily="18" charset="0"/>
+                            </a:rPr>
+                            <m:t>.</m:t>
+                          </m:r>
+                          <m:r>
+                            <a:rPr lang="it-IT" b="0" i="1" smtClean="0">
+                              <a:latin typeface="Cambria Math" panose="02040503050406030204" pitchFamily="18" charset="0"/>
+                            </a:rPr>
+                            <m:t>5+7+6.5</m:t>
                           </m:r>
                         </m:e>
                       </m:d>
@@ -17695,7 +17707,7 @@
             </p:txBody>
           </p:sp>
         </mc:Choice>
-        <mc:Fallback xmlns="">
+        <mc:Fallback>
           <p:sp>
             <p:nvSpPr>
               <p:cNvPr id="3" name="Segnaposto contenuto 2">
@@ -17754,14 +17766,14 @@
           <p:nvPr>
             <p:extLst>
               <p:ext uri="{D42A27DB-BD31-4B8C-83A1-F6EECF244321}">
-                <p14:modId xmlns:p14="http://schemas.microsoft.com/office/powerpoint/2010/main" val="1743133648"/>
+                <p14:modId xmlns:p14="http://schemas.microsoft.com/office/powerpoint/2010/main" val="1649243412"/>
               </p:ext>
             </p:extLst>
           </p:nvPr>
         </p:nvGraphicFramePr>
         <p:xfrm>
           <a:off x="563528" y="3909180"/>
-          <a:ext cx="11068491" cy="1010920"/>
+          <a:ext cx="11143379" cy="741680"/>
         </p:xfrm>
         <a:graphic>
           <a:graphicData uri="http://schemas.openxmlformats.org/drawingml/2006/table">
@@ -17784,7 +17796,7 @@
                     </a:ext>
                   </a:extLst>
                 </a:gridCol>
-                <a:gridCol w="1564174">
+                <a:gridCol w="1639062">
                   <a:extLst>
                     <a:ext uri="{9D8B030D-6E8A-4147-A177-3AD203B41FA5}">
                       <a16:colId xmlns:a16="http://schemas.microsoft.com/office/drawing/2014/main" val="806493636"/>
@@ -18118,8 +18130,8 @@
           </a:p>
         </p:txBody>
       </p:sp>
-      <mc:AlternateContent xmlns:mc="http://schemas.openxmlformats.org/markup-compatibility/2006" xmlns:a14="http://schemas.microsoft.com/office/drawing/2010/main">
-        <mc:Choice Requires="a14">
+      <mc:AlternateContent xmlns:mc="http://schemas.openxmlformats.org/markup-compatibility/2006">
+        <mc:Choice xmlns:a14="http://schemas.microsoft.com/office/drawing/2010/main" Requires="a14">
           <p:sp>
             <p:nvSpPr>
               <p:cNvPr id="3" name="Segnaposto contenuto 2">
@@ -18330,6 +18342,9 @@
                             <m:sSubPr>
                               <m:ctrlPr>
                                 <a:rPr lang="it-IT" b="0" i="1" smtClean="0">
+                                  <a:solidFill>
+                                    <a:srgbClr val="C00000"/>
+                                  </a:solidFill>
                                   <a:latin typeface="Cambria Math" panose="02040503050406030204" pitchFamily="18" charset="0"/>
                                 </a:rPr>
                               </m:ctrlPr>
@@ -18337,6 +18352,9 @@
                             <m:e>
                               <m:r>
                                 <a:rPr lang="it-IT" b="0" i="1" smtClean="0">
+                                  <a:solidFill>
+                                    <a:srgbClr val="C00000"/>
+                                  </a:solidFill>
                                   <a:latin typeface="Cambria Math" panose="02040503050406030204" pitchFamily="18" charset="0"/>
                                 </a:rPr>
                                 <m:t>𝑤</m:t>
@@ -18345,6 +18363,9 @@
                             <m:sub>
                               <m:r>
                                 <a:rPr lang="it-IT" b="0" i="1" smtClean="0">
+                                  <a:solidFill>
+                                    <a:srgbClr val="C00000"/>
+                                  </a:solidFill>
                                   <a:latin typeface="Cambria Math" panose="02040503050406030204" pitchFamily="18" charset="0"/>
                                 </a:rPr>
                                 <m:t>1</m:t>
@@ -18386,6 +18407,9 @@
                             <m:sSubPr>
                               <m:ctrlPr>
                                 <a:rPr lang="it-IT" b="0" i="1" smtClean="0">
+                                  <a:solidFill>
+                                    <a:srgbClr val="00B050"/>
+                                  </a:solidFill>
                                   <a:latin typeface="Cambria Math" panose="02040503050406030204" pitchFamily="18" charset="0"/>
                                 </a:rPr>
                               </m:ctrlPr>
@@ -18393,6 +18417,9 @@
                             <m:e>
                               <m:r>
                                 <a:rPr lang="it-IT" b="0" i="1" smtClean="0">
+                                  <a:solidFill>
+                                    <a:srgbClr val="00B050"/>
+                                  </a:solidFill>
                                   <a:latin typeface="Cambria Math" panose="02040503050406030204" pitchFamily="18" charset="0"/>
                                 </a:rPr>
                                 <m:t>𝑤</m:t>
@@ -18401,6 +18428,9 @@
                             <m:sub>
                               <m:r>
                                 <a:rPr lang="it-IT" b="0" i="1" smtClean="0">
+                                  <a:solidFill>
+                                    <a:srgbClr val="00B050"/>
+                                  </a:solidFill>
                                   <a:latin typeface="Cambria Math" panose="02040503050406030204" pitchFamily="18" charset="0"/>
                                 </a:rPr>
                                 <m:t>2</m:t>
@@ -18442,6 +18472,12 @@
                             <m:sSubPr>
                               <m:ctrlPr>
                                 <a:rPr lang="it-IT" b="0" i="1" smtClean="0">
+                                  <a:solidFill>
+                                    <a:schemeClr val="tx2">
+                                      <a:lumMod val="50000"/>
+                                      <a:lumOff val="50000"/>
+                                    </a:schemeClr>
+                                  </a:solidFill>
                                   <a:latin typeface="Cambria Math" panose="02040503050406030204" pitchFamily="18" charset="0"/>
                                 </a:rPr>
                               </m:ctrlPr>
@@ -18449,6 +18485,12 @@
                             <m:e>
                               <m:r>
                                 <a:rPr lang="it-IT" b="0" i="1" smtClean="0">
+                                  <a:solidFill>
+                                    <a:schemeClr val="tx2">
+                                      <a:lumMod val="50000"/>
+                                      <a:lumOff val="50000"/>
+                                    </a:schemeClr>
+                                  </a:solidFill>
                                   <a:latin typeface="Cambria Math" panose="02040503050406030204" pitchFamily="18" charset="0"/>
                                 </a:rPr>
                                 <m:t>𝑤</m:t>
@@ -18457,6 +18499,12 @@
                             <m:sub>
                               <m:r>
                                 <a:rPr lang="it-IT" b="0" i="1" smtClean="0">
+                                  <a:solidFill>
+                                    <a:schemeClr val="tx2">
+                                      <a:lumMod val="50000"/>
+                                      <a:lumOff val="50000"/>
+                                    </a:schemeClr>
+                                  </a:solidFill>
                                   <a:latin typeface="Cambria Math" panose="02040503050406030204" pitchFamily="18" charset="0"/>
                                 </a:rPr>
                                 <m:t>𝑁</m:t>
@@ -18494,6 +18542,9 @@
                             <m:sSubPr>
                               <m:ctrlPr>
                                 <a:rPr lang="it-IT" b="0" i="1" smtClean="0">
+                                  <a:solidFill>
+                                    <a:srgbClr val="C00000"/>
+                                  </a:solidFill>
                                   <a:latin typeface="Cambria Math" panose="02040503050406030204" pitchFamily="18" charset="0"/>
                                 </a:rPr>
                               </m:ctrlPr>
@@ -18501,6 +18552,9 @@
                             <m:e>
                               <m:r>
                                 <a:rPr lang="it-IT" b="0" i="1" smtClean="0">
+                                  <a:solidFill>
+                                    <a:srgbClr val="C00000"/>
+                                  </a:solidFill>
                                   <a:latin typeface="Cambria Math" panose="02040503050406030204" pitchFamily="18" charset="0"/>
                                 </a:rPr>
                                 <m:t>𝑤</m:t>
@@ -18509,6 +18563,9 @@
                             <m:sub>
                               <m:r>
                                 <a:rPr lang="it-IT" b="0" i="1" smtClean="0">
+                                  <a:solidFill>
+                                    <a:srgbClr val="C00000"/>
+                                  </a:solidFill>
                                   <a:latin typeface="Cambria Math" panose="02040503050406030204" pitchFamily="18" charset="0"/>
                                 </a:rPr>
                                 <m:t>1</m:t>
@@ -18525,6 +18582,9 @@
                             <m:sSubPr>
                               <m:ctrlPr>
                                 <a:rPr lang="it-IT" b="0" i="1" smtClean="0">
+                                  <a:solidFill>
+                                    <a:srgbClr val="00B050"/>
+                                  </a:solidFill>
                                   <a:latin typeface="Cambria Math" panose="02040503050406030204" pitchFamily="18" charset="0"/>
                                 </a:rPr>
                               </m:ctrlPr>
@@ -18532,6 +18592,9 @@
                             <m:e>
                               <m:r>
                                 <a:rPr lang="it-IT" b="0" i="1" smtClean="0">
+                                  <a:solidFill>
+                                    <a:srgbClr val="00B050"/>
+                                  </a:solidFill>
                                   <a:latin typeface="Cambria Math" panose="02040503050406030204" pitchFamily="18" charset="0"/>
                                 </a:rPr>
                                 <m:t>𝑤</m:t>
@@ -18540,6 +18603,9 @@
                             <m:sub>
                               <m:r>
                                 <a:rPr lang="it-IT" b="0" i="1" smtClean="0">
+                                  <a:solidFill>
+                                    <a:srgbClr val="00B050"/>
+                                  </a:solidFill>
                                   <a:latin typeface="Cambria Math" panose="02040503050406030204" pitchFamily="18" charset="0"/>
                                 </a:rPr>
                                 <m:t>2</m:t>
@@ -18552,10 +18618,22 @@
                             </a:rPr>
                             <m:t>+ …</m:t>
                           </m:r>
+                          <m:r>
+                            <a:rPr lang="it-IT" b="0" i="1" smtClean="0">
+                              <a:latin typeface="Cambria Math" panose="02040503050406030204" pitchFamily="18" charset="0"/>
+                            </a:rPr>
+                            <m:t>+</m:t>
+                          </m:r>
                           <m:sSub>
                             <m:sSubPr>
                               <m:ctrlPr>
                                 <a:rPr lang="it-IT" b="0" i="1" smtClean="0">
+                                  <a:solidFill>
+                                    <a:schemeClr val="tx2">
+                                      <a:lumMod val="50000"/>
+                                      <a:lumOff val="50000"/>
+                                    </a:schemeClr>
+                                  </a:solidFill>
                                   <a:latin typeface="Cambria Math" panose="02040503050406030204" pitchFamily="18" charset="0"/>
                                 </a:rPr>
                               </m:ctrlPr>
@@ -18563,6 +18641,24 @@
                             <m:e>
                               <m:r>
                                 <a:rPr lang="it-IT" b="0" i="1" smtClean="0">
+                                  <a:solidFill>
+                                    <a:schemeClr val="tx2">
+                                      <a:lumMod val="50000"/>
+                                      <a:lumOff val="50000"/>
+                                    </a:schemeClr>
+                                  </a:solidFill>
+                                  <a:latin typeface="Cambria Math" panose="02040503050406030204" pitchFamily="18" charset="0"/>
+                                </a:rPr>
+                                <m:t> </m:t>
+                              </m:r>
+                              <m:r>
+                                <a:rPr lang="it-IT" b="0" i="1" smtClean="0">
+                                  <a:solidFill>
+                                    <a:schemeClr val="tx2">
+                                      <a:lumMod val="50000"/>
+                                      <a:lumOff val="50000"/>
+                                    </a:schemeClr>
+                                  </a:solidFill>
                                   <a:latin typeface="Cambria Math" panose="02040503050406030204" pitchFamily="18" charset="0"/>
                                 </a:rPr>
                                 <m:t>𝑤</m:t>
@@ -18571,6 +18667,12 @@
                             <m:sub>
                               <m:r>
                                 <a:rPr lang="it-IT" b="0" i="1" smtClean="0">
+                                  <a:solidFill>
+                                    <a:schemeClr val="tx2">
+                                      <a:lumMod val="50000"/>
+                                      <a:lumOff val="50000"/>
+                                    </a:schemeClr>
+                                  </a:solidFill>
                                   <a:latin typeface="Cambria Math" panose="02040503050406030204" pitchFamily="18" charset="0"/>
                                 </a:rPr>
                                 <m:t>𝑁</m:t>
@@ -19082,7 +19184,7 @@
             </p:txBody>
           </p:sp>
         </mc:Choice>
-        <mc:Fallback xmlns="">
+        <mc:Fallback>
           <p:sp>
             <p:nvSpPr>
               <p:cNvPr id="3" name="Segnaposto contenuto 2">
@@ -19107,7 +19209,7 @@
               <a:blipFill>
                 <a:blip r:embed="rId2"/>
                 <a:stretch>
-                  <a:fillRect l="-1159" t="-1796"/>
+                  <a:fillRect l="-1159" t="-1908"/>
                 </a:stretch>
               </a:blipFill>
             </p:spPr>

--- a/Slide/BSTAT5 - IntroR.pptx
+++ b/Slide/BSTAT5 - IntroR.pptx
@@ -284,7 +284,7 @@
           <a:p>
             <a:fld id="{9BC484E4-5986-4641-8001-5AB15EC72EEF}" type="datetimeFigureOut">
               <a:rPr lang="it-IT" smtClean="0"/>
-              <a:t>05/02/2025</a:t>
+              <a:t>06/02/2025</a:t>
             </a:fld>
             <a:endParaRPr lang="it-IT"/>
           </a:p>
@@ -482,7 +482,7 @@
           <a:p>
             <a:fld id="{9BC484E4-5986-4641-8001-5AB15EC72EEF}" type="datetimeFigureOut">
               <a:rPr lang="it-IT" smtClean="0"/>
-              <a:t>05/02/2025</a:t>
+              <a:t>06/02/2025</a:t>
             </a:fld>
             <a:endParaRPr lang="it-IT"/>
           </a:p>
@@ -690,7 +690,7 @@
           <a:p>
             <a:fld id="{9BC484E4-5986-4641-8001-5AB15EC72EEF}" type="datetimeFigureOut">
               <a:rPr lang="it-IT" smtClean="0"/>
-              <a:t>05/02/2025</a:t>
+              <a:t>06/02/2025</a:t>
             </a:fld>
             <a:endParaRPr lang="it-IT"/>
           </a:p>
@@ -888,7 +888,7 @@
           <a:p>
             <a:fld id="{9BC484E4-5986-4641-8001-5AB15EC72EEF}" type="datetimeFigureOut">
               <a:rPr lang="it-IT" smtClean="0"/>
-              <a:t>05/02/2025</a:t>
+              <a:t>06/02/2025</a:t>
             </a:fld>
             <a:endParaRPr lang="it-IT"/>
           </a:p>
@@ -1163,7 +1163,7 @@
           <a:p>
             <a:fld id="{9BC484E4-5986-4641-8001-5AB15EC72EEF}" type="datetimeFigureOut">
               <a:rPr lang="it-IT" smtClean="0"/>
-              <a:t>05/02/2025</a:t>
+              <a:t>06/02/2025</a:t>
             </a:fld>
             <a:endParaRPr lang="it-IT"/>
           </a:p>
@@ -1428,7 +1428,7 @@
           <a:p>
             <a:fld id="{9BC484E4-5986-4641-8001-5AB15EC72EEF}" type="datetimeFigureOut">
               <a:rPr lang="it-IT" smtClean="0"/>
-              <a:t>05/02/2025</a:t>
+              <a:t>06/02/2025</a:t>
             </a:fld>
             <a:endParaRPr lang="it-IT"/>
           </a:p>
@@ -1840,7 +1840,7 @@
           <a:p>
             <a:fld id="{9BC484E4-5986-4641-8001-5AB15EC72EEF}" type="datetimeFigureOut">
               <a:rPr lang="it-IT" smtClean="0"/>
-              <a:t>05/02/2025</a:t>
+              <a:t>06/02/2025</a:t>
             </a:fld>
             <a:endParaRPr lang="it-IT"/>
           </a:p>
@@ -1981,7 +1981,7 @@
           <a:p>
             <a:fld id="{9BC484E4-5986-4641-8001-5AB15EC72EEF}" type="datetimeFigureOut">
               <a:rPr lang="it-IT" smtClean="0"/>
-              <a:t>05/02/2025</a:t>
+              <a:t>06/02/2025</a:t>
             </a:fld>
             <a:endParaRPr lang="it-IT"/>
           </a:p>
@@ -2094,7 +2094,7 @@
           <a:p>
             <a:fld id="{9BC484E4-5986-4641-8001-5AB15EC72EEF}" type="datetimeFigureOut">
               <a:rPr lang="it-IT" smtClean="0"/>
-              <a:t>05/02/2025</a:t>
+              <a:t>06/02/2025</a:t>
             </a:fld>
             <a:endParaRPr lang="it-IT"/>
           </a:p>
@@ -2405,7 +2405,7 @@
           <a:p>
             <a:fld id="{9BC484E4-5986-4641-8001-5AB15EC72EEF}" type="datetimeFigureOut">
               <a:rPr lang="it-IT" smtClean="0"/>
-              <a:t>05/02/2025</a:t>
+              <a:t>06/02/2025</a:t>
             </a:fld>
             <a:endParaRPr lang="it-IT"/>
           </a:p>
@@ -2693,7 +2693,7 @@
           <a:p>
             <a:fld id="{9BC484E4-5986-4641-8001-5AB15EC72EEF}" type="datetimeFigureOut">
               <a:rPr lang="it-IT" smtClean="0"/>
-              <a:t>05/02/2025</a:t>
+              <a:t>06/02/2025</a:t>
             </a:fld>
             <a:endParaRPr lang="it-IT"/>
           </a:p>
@@ -2934,7 +2934,7 @@
           <a:p>
             <a:fld id="{9BC484E4-5986-4641-8001-5AB15EC72EEF}" type="datetimeFigureOut">
               <a:rPr lang="it-IT" smtClean="0"/>
-              <a:t>05/02/2025</a:t>
+              <a:t>06/02/2025</a:t>
             </a:fld>
             <a:endParaRPr lang="it-IT"/>
           </a:p>
@@ -4936,8 +4936,8 @@
           </a:p>
         </p:txBody>
       </p:sp>
-      <mc:AlternateContent xmlns:mc="http://schemas.openxmlformats.org/markup-compatibility/2006">
-        <mc:Choice xmlns:a14="http://schemas.microsoft.com/office/drawing/2010/main" Requires="a14">
+      <mc:AlternateContent xmlns:mc="http://schemas.openxmlformats.org/markup-compatibility/2006" xmlns:a14="http://schemas.microsoft.com/office/drawing/2010/main">
+        <mc:Choice Requires="a14">
           <p:sp>
             <p:nvSpPr>
               <p:cNvPr id="7" name="Segnaposto contenuto 6">
@@ -5555,7 +5555,7 @@
             </p:txBody>
           </p:sp>
         </mc:Choice>
-        <mc:Fallback>
+        <mc:Fallback xmlns="">
           <p:sp>
             <p:nvSpPr>
               <p:cNvPr id="7" name="Segnaposto contenuto 6">
@@ -6402,8 +6402,8 @@
           </a:graphicData>
         </a:graphic>
       </p:graphicFrame>
-      <mc:AlternateContent xmlns:mc="http://schemas.openxmlformats.org/markup-compatibility/2006">
-        <mc:Choice xmlns:a14="http://schemas.microsoft.com/office/drawing/2010/main" Requires="a14">
+      <mc:AlternateContent xmlns:mc="http://schemas.openxmlformats.org/markup-compatibility/2006" xmlns:a14="http://schemas.microsoft.com/office/drawing/2010/main">
+        <mc:Choice Requires="a14">
           <p:graphicFrame>
             <p:nvGraphicFramePr>
               <p:cNvPr id="5" name="Tabella 4">
@@ -7079,7 +7079,7 @@
             </a:graphic>
           </p:graphicFrame>
         </mc:Choice>
-        <mc:Fallback>
+        <mc:Fallback xmlns="">
           <p:graphicFrame>
             <p:nvGraphicFramePr>
               <p:cNvPr id="5" name="Tabella 4">
@@ -12372,8 +12372,12 @@
               <a:buNone/>
             </a:pPr>
             <a:r>
+              <a:rPr lang="it-IT"/>
+              <a:t>Variabili qualitative </a:t>
+            </a:r>
+            <a:r>
               <a:rPr lang="it-IT" dirty="0"/>
-              <a:t>Variabili quantitative hanno per modalità delle etichette/categorie.</a:t>
+              <a:t>hanno per modalità delle etichette/categorie.</a:t>
             </a:r>
             <a:br>
               <a:rPr lang="it-IT" dirty="0"/>
@@ -17266,8 +17270,8 @@
           </a:p>
         </p:txBody>
       </p:sp>
-      <mc:AlternateContent xmlns:mc="http://schemas.openxmlformats.org/markup-compatibility/2006">
-        <mc:Choice xmlns:a14="http://schemas.microsoft.com/office/drawing/2010/main" Requires="a14">
+      <mc:AlternateContent xmlns:mc="http://schemas.openxmlformats.org/markup-compatibility/2006" xmlns:a14="http://schemas.microsoft.com/office/drawing/2010/main">
+        <mc:Choice Requires="a14">
           <p:sp>
             <p:nvSpPr>
               <p:cNvPr id="3" name="Segnaposto contenuto 2">
@@ -17646,19 +17650,7 @@
                             <a:rPr lang="it-IT" b="0" i="1" smtClean="0">
                               <a:latin typeface="Cambria Math" panose="02040503050406030204" pitchFamily="18" charset="0"/>
                             </a:rPr>
-                            <m:t>2+8+7+8</m:t>
-                          </m:r>
-                          <m:r>
-                            <a:rPr lang="it-IT" b="0" i="1" smtClean="0">
-                              <a:latin typeface="Cambria Math" panose="02040503050406030204" pitchFamily="18" charset="0"/>
-                            </a:rPr>
-                            <m:t>.</m:t>
-                          </m:r>
-                          <m:r>
-                            <a:rPr lang="it-IT" b="0" i="1" smtClean="0">
-                              <a:latin typeface="Cambria Math" panose="02040503050406030204" pitchFamily="18" charset="0"/>
-                            </a:rPr>
-                            <m:t>5+7+6.5</m:t>
+                            <m:t>2+8+7+8.5+7+6.5</m:t>
                           </m:r>
                         </m:e>
                       </m:d>
@@ -17707,7 +17699,7 @@
             </p:txBody>
           </p:sp>
         </mc:Choice>
-        <mc:Fallback>
+        <mc:Fallback xmlns="">
           <p:sp>
             <p:nvSpPr>
               <p:cNvPr id="3" name="Segnaposto contenuto 2">
@@ -18130,8 +18122,8 @@
           </a:p>
         </p:txBody>
       </p:sp>
-      <mc:AlternateContent xmlns:mc="http://schemas.openxmlformats.org/markup-compatibility/2006">
-        <mc:Choice xmlns:a14="http://schemas.microsoft.com/office/drawing/2010/main" Requires="a14">
+      <mc:AlternateContent xmlns:mc="http://schemas.openxmlformats.org/markup-compatibility/2006" xmlns:a14="http://schemas.microsoft.com/office/drawing/2010/main">
+        <mc:Choice Requires="a14">
           <p:sp>
             <p:nvSpPr>
               <p:cNvPr id="3" name="Segnaposto contenuto 2">
@@ -18616,13 +18608,7 @@
                             <a:rPr lang="it-IT" b="0" i="1" smtClean="0">
                               <a:latin typeface="Cambria Math" panose="02040503050406030204" pitchFamily="18" charset="0"/>
                             </a:rPr>
-                            <m:t>+ …</m:t>
-                          </m:r>
-                          <m:r>
-                            <a:rPr lang="it-IT" b="0" i="1" smtClean="0">
-                              <a:latin typeface="Cambria Math" panose="02040503050406030204" pitchFamily="18" charset="0"/>
-                            </a:rPr>
-                            <m:t>+</m:t>
+                            <m:t>+ …+</m:t>
                           </m:r>
                           <m:sSub>
                             <m:sSubPr>
@@ -19184,7 +19170,7 @@
             </p:txBody>
           </p:sp>
         </mc:Choice>
-        <mc:Fallback>
+        <mc:Fallback xmlns="">
           <p:sp>
             <p:nvSpPr>
               <p:cNvPr id="3" name="Segnaposto contenuto 2">

--- a/Slide/BSTAT5 - IntroR.pptx
+++ b/Slide/BSTAT5 - IntroR.pptx
@@ -24,13 +24,15 @@
     <p:sldId id="272" r:id="rId18"/>
     <p:sldId id="273" r:id="rId19"/>
     <p:sldId id="265" r:id="rId20"/>
-    <p:sldId id="269" r:id="rId21"/>
-    <p:sldId id="270" r:id="rId22"/>
-    <p:sldId id="275" r:id="rId23"/>
-    <p:sldId id="276" r:id="rId24"/>
-    <p:sldId id="277" r:id="rId25"/>
-    <p:sldId id="278" r:id="rId26"/>
-    <p:sldId id="282" r:id="rId27"/>
+    <p:sldId id="284" r:id="rId21"/>
+    <p:sldId id="285" r:id="rId22"/>
+    <p:sldId id="269" r:id="rId23"/>
+    <p:sldId id="270" r:id="rId24"/>
+    <p:sldId id="275" r:id="rId25"/>
+    <p:sldId id="276" r:id="rId26"/>
+    <p:sldId id="277" r:id="rId27"/>
+    <p:sldId id="278" r:id="rId28"/>
+    <p:sldId id="282" r:id="rId29"/>
   </p:sldIdLst>
   <p:sldSz cx="12192000" cy="6858000"/>
   <p:notesSz cx="6858000" cy="9144000"/>
@@ -284,7 +286,7 @@
           <a:p>
             <a:fld id="{9BC484E4-5986-4641-8001-5AB15EC72EEF}" type="datetimeFigureOut">
               <a:rPr lang="it-IT" smtClean="0"/>
-              <a:t>06/02/2025</a:t>
+              <a:t>09/02/2025</a:t>
             </a:fld>
             <a:endParaRPr lang="it-IT"/>
           </a:p>
@@ -482,7 +484,7 @@
           <a:p>
             <a:fld id="{9BC484E4-5986-4641-8001-5AB15EC72EEF}" type="datetimeFigureOut">
               <a:rPr lang="it-IT" smtClean="0"/>
-              <a:t>06/02/2025</a:t>
+              <a:t>09/02/2025</a:t>
             </a:fld>
             <a:endParaRPr lang="it-IT"/>
           </a:p>
@@ -690,7 +692,7 @@
           <a:p>
             <a:fld id="{9BC484E4-5986-4641-8001-5AB15EC72EEF}" type="datetimeFigureOut">
               <a:rPr lang="it-IT" smtClean="0"/>
-              <a:t>06/02/2025</a:t>
+              <a:t>09/02/2025</a:t>
             </a:fld>
             <a:endParaRPr lang="it-IT"/>
           </a:p>
@@ -888,7 +890,7 @@
           <a:p>
             <a:fld id="{9BC484E4-5986-4641-8001-5AB15EC72EEF}" type="datetimeFigureOut">
               <a:rPr lang="it-IT" smtClean="0"/>
-              <a:t>06/02/2025</a:t>
+              <a:t>09/02/2025</a:t>
             </a:fld>
             <a:endParaRPr lang="it-IT"/>
           </a:p>
@@ -1163,7 +1165,7 @@
           <a:p>
             <a:fld id="{9BC484E4-5986-4641-8001-5AB15EC72EEF}" type="datetimeFigureOut">
               <a:rPr lang="it-IT" smtClean="0"/>
-              <a:t>06/02/2025</a:t>
+              <a:t>09/02/2025</a:t>
             </a:fld>
             <a:endParaRPr lang="it-IT"/>
           </a:p>
@@ -1428,7 +1430,7 @@
           <a:p>
             <a:fld id="{9BC484E4-5986-4641-8001-5AB15EC72EEF}" type="datetimeFigureOut">
               <a:rPr lang="it-IT" smtClean="0"/>
-              <a:t>06/02/2025</a:t>
+              <a:t>09/02/2025</a:t>
             </a:fld>
             <a:endParaRPr lang="it-IT"/>
           </a:p>
@@ -1840,7 +1842,7 @@
           <a:p>
             <a:fld id="{9BC484E4-5986-4641-8001-5AB15EC72EEF}" type="datetimeFigureOut">
               <a:rPr lang="it-IT" smtClean="0"/>
-              <a:t>06/02/2025</a:t>
+              <a:t>09/02/2025</a:t>
             </a:fld>
             <a:endParaRPr lang="it-IT"/>
           </a:p>
@@ -1981,7 +1983,7 @@
           <a:p>
             <a:fld id="{9BC484E4-5986-4641-8001-5AB15EC72EEF}" type="datetimeFigureOut">
               <a:rPr lang="it-IT" smtClean="0"/>
-              <a:t>06/02/2025</a:t>
+              <a:t>09/02/2025</a:t>
             </a:fld>
             <a:endParaRPr lang="it-IT"/>
           </a:p>
@@ -2094,7 +2096,7 @@
           <a:p>
             <a:fld id="{9BC484E4-5986-4641-8001-5AB15EC72EEF}" type="datetimeFigureOut">
               <a:rPr lang="it-IT" smtClean="0"/>
-              <a:t>06/02/2025</a:t>
+              <a:t>09/02/2025</a:t>
             </a:fld>
             <a:endParaRPr lang="it-IT"/>
           </a:p>
@@ -2405,7 +2407,7 @@
           <a:p>
             <a:fld id="{9BC484E4-5986-4641-8001-5AB15EC72EEF}" type="datetimeFigureOut">
               <a:rPr lang="it-IT" smtClean="0"/>
-              <a:t>06/02/2025</a:t>
+              <a:t>09/02/2025</a:t>
             </a:fld>
             <a:endParaRPr lang="it-IT"/>
           </a:p>
@@ -2693,7 +2695,7 @@
           <a:p>
             <a:fld id="{9BC484E4-5986-4641-8001-5AB15EC72EEF}" type="datetimeFigureOut">
               <a:rPr lang="it-IT" smtClean="0"/>
-              <a:t>06/02/2025</a:t>
+              <a:t>09/02/2025</a:t>
             </a:fld>
             <a:endParaRPr lang="it-IT"/>
           </a:p>
@@ -2934,7 +2936,7 @@
           <a:p>
             <a:fld id="{9BC484E4-5986-4641-8001-5AB15EC72EEF}" type="datetimeFigureOut">
               <a:rPr lang="it-IT" smtClean="0"/>
-              <a:t>06/02/2025</a:t>
+              <a:t>09/02/2025</a:t>
             </a:fld>
             <a:endParaRPr lang="it-IT"/>
           </a:p>
@@ -9970,6 +9972,489 @@
           <a:chExt cx="0" cy="0"/>
         </a:xfrm>
       </p:grpSpPr>
+      <p:pic>
+        <p:nvPicPr>
+          <p:cNvPr id="5" name="Immagine 4" descr="Immagine che contiene linea, diagramma, schizzo, Diagramma&#10;&#10;Il contenuto generato dall'IA potrebbe non essere corretto.">
+            <a:extLst>
+              <a:ext uri="{FF2B5EF4-FFF2-40B4-BE49-F238E27FC236}">
+                <a16:creationId xmlns:a16="http://schemas.microsoft.com/office/drawing/2014/main" id="{B0F7622F-9250-5938-3747-5809434F27C8}"/>
+              </a:ext>
+            </a:extLst>
+          </p:cNvPr>
+          <p:cNvPicPr>
+            <a:picLocks noChangeAspect="1"/>
+          </p:cNvPicPr>
+          <p:nvPr/>
+        </p:nvPicPr>
+        <p:blipFill>
+          <a:blip r:embed="rId2">
+            <a:extLst>
+              <a:ext uri="{28A0092B-C50C-407E-A947-70E740481C1C}">
+                <a14:useLocalDpi xmlns:a14="http://schemas.microsoft.com/office/drawing/2010/main" val="0"/>
+              </a:ext>
+            </a:extLst>
+          </a:blip>
+          <a:srcRect t="14287" b="6944"/>
+          <a:stretch/>
+        </p:blipFill>
+        <p:spPr>
+          <a:xfrm>
+            <a:off x="1981200" y="2405743"/>
+            <a:ext cx="8229600" cy="4321628"/>
+          </a:xfrm>
+          <a:prstGeom prst="rect">
+            <a:avLst/>
+          </a:prstGeom>
+        </p:spPr>
+      </p:pic>
+      <p:sp>
+        <p:nvSpPr>
+          <p:cNvPr id="2" name="Titolo 1">
+            <a:extLst>
+              <a:ext uri="{FF2B5EF4-FFF2-40B4-BE49-F238E27FC236}">
+                <a16:creationId xmlns:a16="http://schemas.microsoft.com/office/drawing/2014/main" id="{67506435-7FE0-012A-D897-CB214EABF6DC}"/>
+              </a:ext>
+            </a:extLst>
+          </p:cNvPr>
+          <p:cNvSpPr>
+            <a:spLocks noGrp="1"/>
+          </p:cNvSpPr>
+          <p:nvPr>
+            <p:ph type="title"/>
+          </p:nvPr>
+        </p:nvSpPr>
+        <p:spPr>
+          <a:xfrm>
+            <a:off x="838200" y="18255"/>
+            <a:ext cx="10515600" cy="1325563"/>
+          </a:xfrm>
+        </p:spPr>
+        <p:txBody>
+          <a:bodyPr/>
+          <a:lstStyle/>
+          <a:p>
+            <a:r>
+              <a:rPr lang="it-IT" dirty="0"/>
+              <a:t>La distribuzione Normale (o Gaussiana)</a:t>
+            </a:r>
+          </a:p>
+        </p:txBody>
+      </p:sp>
+      <mc:AlternateContent xmlns:mc="http://schemas.openxmlformats.org/markup-compatibility/2006">
+        <mc:Choice xmlns:a14="http://schemas.microsoft.com/office/drawing/2010/main" Requires="a14">
+          <p:sp>
+            <p:nvSpPr>
+              <p:cNvPr id="3" name="Segnaposto contenuto 2">
+                <a:extLst>
+                  <a:ext uri="{FF2B5EF4-FFF2-40B4-BE49-F238E27FC236}">
+                    <a16:creationId xmlns:a16="http://schemas.microsoft.com/office/drawing/2014/main" id="{152BB9A0-8A60-DB20-4BB5-0D3305AED60C}"/>
+                  </a:ext>
+                </a:extLst>
+              </p:cNvPr>
+              <p:cNvSpPr>
+                <a:spLocks noGrp="1"/>
+              </p:cNvSpPr>
+              <p:nvPr>
+                <p:ph idx="1"/>
+              </p:nvPr>
+            </p:nvSpPr>
+            <p:spPr>
+              <a:xfrm>
+                <a:off x="838200" y="1343817"/>
+                <a:ext cx="10515600" cy="5383553"/>
+              </a:xfrm>
+            </p:spPr>
+            <p:txBody>
+              <a:bodyPr/>
+              <a:lstStyle/>
+              <a:p>
+                <a:pPr marL="0" indent="0">
+                  <a:buNone/>
+                </a:pPr>
+                <a14:m>
+                  <m:oMathPara xmlns:m="http://schemas.openxmlformats.org/officeDocument/2006/math">
+                    <m:oMathParaPr>
+                      <m:jc m:val="centerGroup"/>
+                    </m:oMathParaPr>
+                    <m:oMath xmlns:m="http://schemas.openxmlformats.org/officeDocument/2006/math">
+                      <m:r>
+                        <a:rPr lang="it-IT" b="0" i="1" smtClean="0">
+                          <a:latin typeface="Cambria Math" panose="02040503050406030204" pitchFamily="18" charset="0"/>
+                        </a:rPr>
+                        <m:t>𝑓</m:t>
+                      </m:r>
+                      <m:d>
+                        <m:dPr>
+                          <m:ctrlPr>
+                            <a:rPr lang="it-IT" b="0" i="1" smtClean="0">
+                              <a:latin typeface="Cambria Math" panose="02040503050406030204" pitchFamily="18" charset="0"/>
+                            </a:rPr>
+                          </m:ctrlPr>
+                        </m:dPr>
+                        <m:e>
+                          <m:r>
+                            <a:rPr lang="it-IT" b="0" i="1" smtClean="0">
+                              <a:latin typeface="Cambria Math" panose="02040503050406030204" pitchFamily="18" charset="0"/>
+                            </a:rPr>
+                            <m:t>𝑥</m:t>
+                          </m:r>
+                        </m:e>
+                      </m:d>
+                      <m:r>
+                        <a:rPr lang="it-IT" b="0" i="1" smtClean="0">
+                          <a:latin typeface="Cambria Math" panose="02040503050406030204" pitchFamily="18" charset="0"/>
+                        </a:rPr>
+                        <m:t>=</m:t>
+                      </m:r>
+                      <m:f>
+                        <m:fPr>
+                          <m:ctrlPr>
+                            <a:rPr lang="it-IT" b="0" i="1" smtClean="0">
+                              <a:latin typeface="Cambria Math" panose="02040503050406030204" pitchFamily="18" charset="0"/>
+                            </a:rPr>
+                          </m:ctrlPr>
+                        </m:fPr>
+                        <m:num>
+                          <m:r>
+                            <a:rPr lang="it-IT" b="0" i="1" smtClean="0">
+                              <a:latin typeface="Cambria Math" panose="02040503050406030204" pitchFamily="18" charset="0"/>
+                            </a:rPr>
+                            <m:t>1</m:t>
+                          </m:r>
+                        </m:num>
+                        <m:den>
+                          <m:rad>
+                            <m:radPr>
+                              <m:degHide m:val="on"/>
+                              <m:ctrlPr>
+                                <a:rPr lang="it-IT" b="0" i="1" smtClean="0">
+                                  <a:latin typeface="Cambria Math" panose="02040503050406030204" pitchFamily="18" charset="0"/>
+                                </a:rPr>
+                              </m:ctrlPr>
+                            </m:radPr>
+                            <m:deg/>
+                            <m:e>
+                              <m:r>
+                                <a:rPr lang="it-IT" b="0" i="1" smtClean="0">
+                                  <a:latin typeface="Cambria Math" panose="02040503050406030204" pitchFamily="18" charset="0"/>
+                                </a:rPr>
+                                <m:t>2</m:t>
+                              </m:r>
+                              <m:r>
+                                <a:rPr lang="it-IT" b="0" i="1" smtClean="0">
+                                  <a:latin typeface="Cambria Math" panose="02040503050406030204" pitchFamily="18" charset="0"/>
+                                </a:rPr>
+                                <m:t>𝜋</m:t>
+                              </m:r>
+                            </m:e>
+                          </m:rad>
+                        </m:den>
+                      </m:f>
+                      <m:sSup>
+                        <m:sSupPr>
+                          <m:ctrlPr>
+                            <a:rPr lang="it-IT" b="0" i="1" smtClean="0">
+                              <a:latin typeface="Cambria Math" panose="02040503050406030204" pitchFamily="18" charset="0"/>
+                            </a:rPr>
+                          </m:ctrlPr>
+                        </m:sSupPr>
+                        <m:e>
+                          <m:r>
+                            <a:rPr lang="it-IT" b="0" i="1" smtClean="0">
+                              <a:latin typeface="Cambria Math" panose="02040503050406030204" pitchFamily="18" charset="0"/>
+                            </a:rPr>
+                            <m:t>𝑒</m:t>
+                          </m:r>
+                        </m:e>
+                        <m:sup>
+                          <m:r>
+                            <a:rPr lang="it-IT" b="0" i="1" smtClean="0">
+                              <a:latin typeface="Cambria Math" panose="02040503050406030204" pitchFamily="18" charset="0"/>
+                            </a:rPr>
+                            <m:t>−</m:t>
+                          </m:r>
+                          <m:f>
+                            <m:fPr>
+                              <m:ctrlPr>
+                                <a:rPr lang="it-IT" b="0" i="1" smtClean="0">
+                                  <a:latin typeface="Cambria Math" panose="02040503050406030204" pitchFamily="18" charset="0"/>
+                                </a:rPr>
+                              </m:ctrlPr>
+                            </m:fPr>
+                            <m:num>
+                              <m:sSup>
+                                <m:sSupPr>
+                                  <m:ctrlPr>
+                                    <a:rPr lang="it-IT" b="0" i="1" smtClean="0">
+                                      <a:latin typeface="Cambria Math" panose="02040503050406030204" pitchFamily="18" charset="0"/>
+                                    </a:rPr>
+                                  </m:ctrlPr>
+                                </m:sSupPr>
+                                <m:e>
+                                  <m:r>
+                                    <a:rPr lang="it-IT" b="0" i="1" smtClean="0">
+                                      <a:latin typeface="Cambria Math" panose="02040503050406030204" pitchFamily="18" charset="0"/>
+                                    </a:rPr>
+                                    <m:t>𝑥</m:t>
+                                  </m:r>
+                                </m:e>
+                                <m:sup>
+                                  <m:r>
+                                    <a:rPr lang="it-IT" b="0" i="1" smtClean="0">
+                                      <a:latin typeface="Cambria Math" panose="02040503050406030204" pitchFamily="18" charset="0"/>
+                                    </a:rPr>
+                                    <m:t>2</m:t>
+                                  </m:r>
+                                </m:sup>
+                              </m:sSup>
+                            </m:num>
+                            <m:den>
+                              <m:r>
+                                <a:rPr lang="it-IT" b="0" i="1" smtClean="0">
+                                  <a:latin typeface="Cambria Math" panose="02040503050406030204" pitchFamily="18" charset="0"/>
+                                </a:rPr>
+                                <m:t>2</m:t>
+                              </m:r>
+                            </m:den>
+                          </m:f>
+                        </m:sup>
+                      </m:sSup>
+                      <m:r>
+                        <a:rPr lang="it-IT" b="0" i="0" smtClean="0">
+                          <a:latin typeface="Cambria Math" panose="02040503050406030204" pitchFamily="18" charset="0"/>
+                        </a:rPr>
+                        <m:t>,         </m:t>
+                      </m:r>
+                      <m:r>
+                        <m:rPr>
+                          <m:sty m:val="p"/>
+                        </m:rPr>
+                        <a:rPr lang="it-IT" b="0" i="0" smtClean="0">
+                          <a:latin typeface="Cambria Math" panose="02040503050406030204" pitchFamily="18" charset="0"/>
+                        </a:rPr>
+                        <m:t>x</m:t>
+                      </m:r>
+                      <m:r>
+                        <a:rPr lang="it-IT" b="0" i="1" smtClean="0">
+                          <a:latin typeface="Cambria Math" panose="02040503050406030204" pitchFamily="18" charset="0"/>
+                        </a:rPr>
+                        <m:t>∈(−∞, +∞)</m:t>
+                      </m:r>
+                    </m:oMath>
+                  </m:oMathPara>
+                </a14:m>
+                <a:endParaRPr lang="it-IT" dirty="0"/>
+              </a:p>
+            </p:txBody>
+          </p:sp>
+        </mc:Choice>
+        <mc:Fallback>
+          <p:sp>
+            <p:nvSpPr>
+              <p:cNvPr id="3" name="Segnaposto contenuto 2">
+                <a:extLst>
+                  <a:ext uri="{FF2B5EF4-FFF2-40B4-BE49-F238E27FC236}">
+                    <a16:creationId xmlns:a16="http://schemas.microsoft.com/office/drawing/2014/main" id="{152BB9A0-8A60-DB20-4BB5-0D3305AED60C}"/>
+                  </a:ext>
+                </a:extLst>
+              </p:cNvPr>
+              <p:cNvSpPr>
+                <a:spLocks noGrp="1" noRot="1" noChangeAspect="1" noMove="1" noResize="1" noEditPoints="1" noAdjustHandles="1" noChangeArrowheads="1" noChangeShapeType="1" noTextEdit="1"/>
+              </p:cNvSpPr>
+              <p:nvPr>
+                <p:ph idx="1"/>
+              </p:nvPr>
+            </p:nvSpPr>
+            <p:spPr>
+              <a:xfrm>
+                <a:off x="838200" y="1343817"/>
+                <a:ext cx="10515600" cy="5383553"/>
+              </a:xfrm>
+              <a:blipFill>
+                <a:blip r:embed="rId3"/>
+                <a:stretch>
+                  <a:fillRect/>
+                </a:stretch>
+              </a:blipFill>
+            </p:spPr>
+            <p:txBody>
+              <a:bodyPr/>
+              <a:lstStyle/>
+              <a:p>
+                <a:r>
+                  <a:rPr lang="it-IT">
+                    <a:noFill/>
+                  </a:rPr>
+                  <a:t> </a:t>
+                </a:r>
+              </a:p>
+            </p:txBody>
+          </p:sp>
+        </mc:Fallback>
+      </mc:AlternateContent>
+    </p:spTree>
+    <p:extLst>
+      <p:ext uri="{BB962C8B-B14F-4D97-AF65-F5344CB8AC3E}">
+        <p14:creationId xmlns:p14="http://schemas.microsoft.com/office/powerpoint/2010/main" val="59902436"/>
+      </p:ext>
+    </p:extLst>
+  </p:cSld>
+  <p:clrMapOvr>
+    <a:masterClrMapping/>
+  </p:clrMapOvr>
+</p:sld>
+</file>
+
+<file path=ppt/slides/slide21.xml><?xml version="1.0" encoding="utf-8"?>
+<p:sld xmlns:a="http://schemas.openxmlformats.org/drawingml/2006/main" xmlns:r="http://schemas.openxmlformats.org/officeDocument/2006/relationships" xmlns:p="http://schemas.openxmlformats.org/presentationml/2006/main">
+  <p:cSld>
+    <p:spTree>
+      <p:nvGrpSpPr>
+        <p:cNvPr id="1" name=""/>
+        <p:cNvGrpSpPr/>
+        <p:nvPr/>
+      </p:nvGrpSpPr>
+      <p:grpSpPr>
+        <a:xfrm>
+          <a:off x="0" y="0"/>
+          <a:ext cx="0" cy="0"/>
+          <a:chOff x="0" y="0"/>
+          <a:chExt cx="0" cy="0"/>
+        </a:xfrm>
+      </p:grpSpPr>
+      <p:sp>
+        <p:nvSpPr>
+          <p:cNvPr id="2" name="Titolo 1">
+            <a:extLst>
+              <a:ext uri="{FF2B5EF4-FFF2-40B4-BE49-F238E27FC236}">
+                <a16:creationId xmlns:a16="http://schemas.microsoft.com/office/drawing/2014/main" id="{4A6F5C9F-468D-C4F0-174F-50ADD97B7E2D}"/>
+              </a:ext>
+            </a:extLst>
+          </p:cNvPr>
+          <p:cNvSpPr>
+            <a:spLocks noGrp="1"/>
+          </p:cNvSpPr>
+          <p:nvPr>
+            <p:ph type="title"/>
+          </p:nvPr>
+        </p:nvSpPr>
+        <p:spPr>
+          <a:xfrm>
+            <a:off x="838200" y="18255"/>
+            <a:ext cx="10515600" cy="1325563"/>
+          </a:xfrm>
+        </p:spPr>
+        <p:txBody>
+          <a:bodyPr/>
+          <a:lstStyle/>
+          <a:p>
+            <a:r>
+              <a:rPr lang="it-IT" dirty="0"/>
+              <a:t>La distribuzione Normale (o Gaussiana)</a:t>
+            </a:r>
+          </a:p>
+        </p:txBody>
+      </p:sp>
+      <p:pic>
+        <p:nvPicPr>
+          <p:cNvPr id="5" name="Immagine 4">
+            <a:extLst>
+              <a:ext uri="{FF2B5EF4-FFF2-40B4-BE49-F238E27FC236}">
+                <a16:creationId xmlns:a16="http://schemas.microsoft.com/office/drawing/2014/main" id="{997C02C1-7263-1255-2DCA-D7456A520C42}"/>
+              </a:ext>
+            </a:extLst>
+          </p:cNvPr>
+          <p:cNvPicPr>
+            <a:picLocks noChangeAspect="1"/>
+          </p:cNvPicPr>
+          <p:nvPr/>
+        </p:nvPicPr>
+        <p:blipFill>
+          <a:blip r:embed="rId2">
+            <a:extLst>
+              <a:ext uri="{28A0092B-C50C-407E-A947-70E740481C1C}">
+                <a14:useLocalDpi xmlns:a14="http://schemas.microsoft.com/office/drawing/2010/main" val="0"/>
+              </a:ext>
+            </a:extLst>
+          </a:blip>
+          <a:srcRect b="4642"/>
+          <a:stretch/>
+        </p:blipFill>
+        <p:spPr>
+          <a:xfrm>
+            <a:off x="3552825" y="1230086"/>
+            <a:ext cx="4174036" cy="5366657"/>
+          </a:xfrm>
+          <a:prstGeom prst="rect">
+            <a:avLst/>
+          </a:prstGeom>
+        </p:spPr>
+      </p:pic>
+      <p:pic>
+        <p:nvPicPr>
+          <p:cNvPr id="7" name="Immagine 6" descr="Immagine che contiene testo, Diagramma, linea, diagramma&#10;&#10;Il contenuto generato dall'IA potrebbe non essere corretto.">
+            <a:extLst>
+              <a:ext uri="{FF2B5EF4-FFF2-40B4-BE49-F238E27FC236}">
+                <a16:creationId xmlns:a16="http://schemas.microsoft.com/office/drawing/2014/main" id="{18792AA2-72D6-8BA7-B380-148C808AE817}"/>
+              </a:ext>
+            </a:extLst>
+          </p:cNvPr>
+          <p:cNvPicPr>
+            <a:picLocks noChangeAspect="1"/>
+          </p:cNvPicPr>
+          <p:nvPr/>
+        </p:nvPicPr>
+        <p:blipFill>
+          <a:blip r:embed="rId3">
+            <a:extLst>
+              <a:ext uri="{28A0092B-C50C-407E-A947-70E740481C1C}">
+                <a14:useLocalDpi xmlns:a14="http://schemas.microsoft.com/office/drawing/2010/main" val="0"/>
+              </a:ext>
+            </a:extLst>
+          </a:blip>
+          <a:srcRect l="10703" t="16542" r="6635" b="18583"/>
+          <a:stretch/>
+        </p:blipFill>
+        <p:spPr>
+          <a:xfrm rot="16200000">
+            <a:off x="18669" y="2985514"/>
+            <a:ext cx="4636008" cy="2432305"/>
+          </a:xfrm>
+          <a:prstGeom prst="rect">
+            <a:avLst/>
+          </a:prstGeom>
+        </p:spPr>
+      </p:pic>
+    </p:spTree>
+    <p:extLst>
+      <p:ext uri="{BB962C8B-B14F-4D97-AF65-F5344CB8AC3E}">
+        <p14:creationId xmlns:p14="http://schemas.microsoft.com/office/powerpoint/2010/main" val="3931346963"/>
+      </p:ext>
+    </p:extLst>
+  </p:cSld>
+  <p:clrMapOvr>
+    <a:masterClrMapping/>
+  </p:clrMapOvr>
+</p:sld>
+</file>
+
+<file path=ppt/slides/slide22.xml><?xml version="1.0" encoding="utf-8"?>
+<p:sld xmlns:a="http://schemas.openxmlformats.org/drawingml/2006/main" xmlns:r="http://schemas.openxmlformats.org/officeDocument/2006/relationships" xmlns:p="http://schemas.openxmlformats.org/presentationml/2006/main">
+  <p:cSld>
+    <p:spTree>
+      <p:nvGrpSpPr>
+        <p:cNvPr id="1" name=""/>
+        <p:cNvGrpSpPr/>
+        <p:nvPr/>
+      </p:nvGrpSpPr>
+      <p:grpSpPr>
+        <a:xfrm>
+          <a:off x="0" y="0"/>
+          <a:ext cx="0" cy="0"/>
+          <a:chOff x="0" y="0"/>
+          <a:chExt cx="0" cy="0"/>
+        </a:xfrm>
+      </p:grpSpPr>
       <p:sp>
         <p:nvSpPr>
           <p:cNvPr id="2" name="Titolo 1">
@@ -10051,7 +10536,7 @@
 </p:sld>
 </file>
 
-<file path=ppt/slides/slide21.xml><?xml version="1.0" encoding="utf-8"?>
+<file path=ppt/slides/slide23.xml><?xml version="1.0" encoding="utf-8"?>
 <p:sld xmlns:a="http://schemas.openxmlformats.org/drawingml/2006/main" xmlns:r="http://schemas.openxmlformats.org/officeDocument/2006/relationships" xmlns:p="http://schemas.openxmlformats.org/presentationml/2006/main">
   <p:cSld>
     <p:spTree>
@@ -10149,7 +10634,7 @@
 </p:sld>
 </file>
 
-<file path=ppt/slides/slide22.xml><?xml version="1.0" encoding="utf-8"?>
+<file path=ppt/slides/slide24.xml><?xml version="1.0" encoding="utf-8"?>
 <p:sld xmlns:a="http://schemas.openxmlformats.org/drawingml/2006/main" xmlns:r="http://schemas.openxmlformats.org/officeDocument/2006/relationships" xmlns:p="http://schemas.openxmlformats.org/presentationml/2006/main">
   <p:cSld>
     <p:spTree>
@@ -10882,7 +11367,7 @@
 </p:sld>
 </file>
 
-<file path=ppt/slides/slide23.xml><?xml version="1.0" encoding="utf-8"?>
+<file path=ppt/slides/slide25.xml><?xml version="1.0" encoding="utf-8"?>
 <p:sld xmlns:a="http://schemas.openxmlformats.org/drawingml/2006/main" xmlns:r="http://schemas.openxmlformats.org/officeDocument/2006/relationships" xmlns:p="http://schemas.openxmlformats.org/presentationml/2006/main">
   <p:cSld>
     <p:spTree>
@@ -11107,7 +11592,7 @@
 </p:sld>
 </file>
 
-<file path=ppt/slides/slide24.xml><?xml version="1.0" encoding="utf-8"?>
+<file path=ppt/slides/slide26.xml><?xml version="1.0" encoding="utf-8"?>
 <p:sld xmlns:a="http://schemas.openxmlformats.org/drawingml/2006/main" xmlns:r="http://schemas.openxmlformats.org/officeDocument/2006/relationships" xmlns:p="http://schemas.openxmlformats.org/presentationml/2006/main">
   <p:cSld>
     <p:spTree>
@@ -11937,7 +12422,7 @@
 </p:sld>
 </file>
 
-<file path=ppt/slides/slide25.xml><?xml version="1.0" encoding="utf-8"?>
+<file path=ppt/slides/slide27.xml><?xml version="1.0" encoding="utf-8"?>
 <p:sld xmlns:a="http://schemas.openxmlformats.org/drawingml/2006/main" xmlns:r="http://schemas.openxmlformats.org/officeDocument/2006/relationships" xmlns:p="http://schemas.openxmlformats.org/presentationml/2006/main">
   <p:cSld>
     <p:spTree>
@@ -12045,7 +12530,7 @@
 </p:sld>
 </file>
 
-<file path=ppt/slides/slide26.xml><?xml version="1.0" encoding="utf-8"?>
+<file path=ppt/slides/slide28.xml><?xml version="1.0" encoding="utf-8"?>
 <p:sld xmlns:a="http://schemas.openxmlformats.org/drawingml/2006/main" xmlns:r="http://schemas.openxmlformats.org/officeDocument/2006/relationships" xmlns:p="http://schemas.openxmlformats.org/presentationml/2006/main">
   <p:cSld>
     <p:spTree>

--- a/Slide/BSTAT5 - IntroR.pptx
+++ b/Slide/BSTAT5 - IntroR.pptx
@@ -286,7 +286,7 @@
           <a:p>
             <a:fld id="{9BC484E4-5986-4641-8001-5AB15EC72EEF}" type="datetimeFigureOut">
               <a:rPr lang="it-IT" smtClean="0"/>
-              <a:t>09/02/2025</a:t>
+              <a:t>10/02/2025</a:t>
             </a:fld>
             <a:endParaRPr lang="it-IT"/>
           </a:p>
@@ -484,7 +484,7 @@
           <a:p>
             <a:fld id="{9BC484E4-5986-4641-8001-5AB15EC72EEF}" type="datetimeFigureOut">
               <a:rPr lang="it-IT" smtClean="0"/>
-              <a:t>09/02/2025</a:t>
+              <a:t>10/02/2025</a:t>
             </a:fld>
             <a:endParaRPr lang="it-IT"/>
           </a:p>
@@ -692,7 +692,7 @@
           <a:p>
             <a:fld id="{9BC484E4-5986-4641-8001-5AB15EC72EEF}" type="datetimeFigureOut">
               <a:rPr lang="it-IT" smtClean="0"/>
-              <a:t>09/02/2025</a:t>
+              <a:t>10/02/2025</a:t>
             </a:fld>
             <a:endParaRPr lang="it-IT"/>
           </a:p>
@@ -890,7 +890,7 @@
           <a:p>
             <a:fld id="{9BC484E4-5986-4641-8001-5AB15EC72EEF}" type="datetimeFigureOut">
               <a:rPr lang="it-IT" smtClean="0"/>
-              <a:t>09/02/2025</a:t>
+              <a:t>10/02/2025</a:t>
             </a:fld>
             <a:endParaRPr lang="it-IT"/>
           </a:p>
@@ -1165,7 +1165,7 @@
           <a:p>
             <a:fld id="{9BC484E4-5986-4641-8001-5AB15EC72EEF}" type="datetimeFigureOut">
               <a:rPr lang="it-IT" smtClean="0"/>
-              <a:t>09/02/2025</a:t>
+              <a:t>10/02/2025</a:t>
             </a:fld>
             <a:endParaRPr lang="it-IT"/>
           </a:p>
@@ -1430,7 +1430,7 @@
           <a:p>
             <a:fld id="{9BC484E4-5986-4641-8001-5AB15EC72EEF}" type="datetimeFigureOut">
               <a:rPr lang="it-IT" smtClean="0"/>
-              <a:t>09/02/2025</a:t>
+              <a:t>10/02/2025</a:t>
             </a:fld>
             <a:endParaRPr lang="it-IT"/>
           </a:p>
@@ -1842,7 +1842,7 @@
           <a:p>
             <a:fld id="{9BC484E4-5986-4641-8001-5AB15EC72EEF}" type="datetimeFigureOut">
               <a:rPr lang="it-IT" smtClean="0"/>
-              <a:t>09/02/2025</a:t>
+              <a:t>10/02/2025</a:t>
             </a:fld>
             <a:endParaRPr lang="it-IT"/>
           </a:p>
@@ -1983,7 +1983,7 @@
           <a:p>
             <a:fld id="{9BC484E4-5986-4641-8001-5AB15EC72EEF}" type="datetimeFigureOut">
               <a:rPr lang="it-IT" smtClean="0"/>
-              <a:t>09/02/2025</a:t>
+              <a:t>10/02/2025</a:t>
             </a:fld>
             <a:endParaRPr lang="it-IT"/>
           </a:p>
@@ -2096,7 +2096,7 @@
           <a:p>
             <a:fld id="{9BC484E4-5986-4641-8001-5AB15EC72EEF}" type="datetimeFigureOut">
               <a:rPr lang="it-IT" smtClean="0"/>
-              <a:t>09/02/2025</a:t>
+              <a:t>10/02/2025</a:t>
             </a:fld>
             <a:endParaRPr lang="it-IT"/>
           </a:p>
@@ -2407,7 +2407,7 @@
           <a:p>
             <a:fld id="{9BC484E4-5986-4641-8001-5AB15EC72EEF}" type="datetimeFigureOut">
               <a:rPr lang="it-IT" smtClean="0"/>
-              <a:t>09/02/2025</a:t>
+              <a:t>10/02/2025</a:t>
             </a:fld>
             <a:endParaRPr lang="it-IT"/>
           </a:p>
@@ -2695,7 +2695,7 @@
           <a:p>
             <a:fld id="{9BC484E4-5986-4641-8001-5AB15EC72EEF}" type="datetimeFigureOut">
               <a:rPr lang="it-IT" smtClean="0"/>
-              <a:t>09/02/2025</a:t>
+              <a:t>10/02/2025</a:t>
             </a:fld>
             <a:endParaRPr lang="it-IT"/>
           </a:p>
@@ -2936,7 +2936,7 @@
           <a:p>
             <a:fld id="{9BC484E4-5986-4641-8001-5AB15EC72EEF}" type="datetimeFigureOut">
               <a:rPr lang="it-IT" smtClean="0"/>
-              <a:t>09/02/2025</a:t>
+              <a:t>10/02/2025</a:t>
             </a:fld>
             <a:endParaRPr lang="it-IT"/>
           </a:p>
@@ -4938,8 +4938,8 @@
           </a:p>
         </p:txBody>
       </p:sp>
-      <mc:AlternateContent xmlns:mc="http://schemas.openxmlformats.org/markup-compatibility/2006" xmlns:a14="http://schemas.microsoft.com/office/drawing/2010/main">
-        <mc:Choice Requires="a14">
+      <mc:AlternateContent xmlns:mc="http://schemas.openxmlformats.org/markup-compatibility/2006">
+        <mc:Choice xmlns:a14="http://schemas.microsoft.com/office/drawing/2010/main" Requires="a14">
           <p:sp>
             <p:nvSpPr>
               <p:cNvPr id="7" name="Segnaposto contenuto 6">
@@ -4964,7 +4964,7 @@
             </p:spPr>
             <p:txBody>
               <a:bodyPr>
-                <a:normAutofit fontScale="92500" lnSpcReduction="10000"/>
+                <a:normAutofit fontScale="92500"/>
               </a:bodyPr>
               <a:lstStyle/>
               <a:p>
@@ -5557,7 +5557,7 @@
             </p:txBody>
           </p:sp>
         </mc:Choice>
-        <mc:Fallback xmlns="">
+        <mc:Fallback>
           <p:sp>
             <p:nvSpPr>
               <p:cNvPr id="7" name="Segnaposto contenuto 6">
@@ -5582,7 +5582,7 @@
               <a:blipFill>
                 <a:blip r:embed="rId2"/>
                 <a:stretch>
-                  <a:fillRect l="-1043" t="-2323"/>
+                  <a:fillRect l="-1043" t="-1742" r="-986" b="-2671"/>
                 </a:stretch>
               </a:blipFill>
             </p:spPr>
@@ -8140,8 +8140,8 @@
           </a:p>
         </p:txBody>
       </p:sp>
-      <mc:AlternateContent xmlns:mc="http://schemas.openxmlformats.org/markup-compatibility/2006" xmlns:a14="http://schemas.microsoft.com/office/drawing/2010/main">
-        <mc:Choice Requires="a14">
+      <mc:AlternateContent xmlns:mc="http://schemas.openxmlformats.org/markup-compatibility/2006">
+        <mc:Choice xmlns:a14="http://schemas.microsoft.com/office/drawing/2010/main" Requires="a14">
           <p:sp>
             <p:nvSpPr>
               <p:cNvPr id="3" name="Segnaposto contenuto 2">
@@ -8166,7 +8166,7 @@
             </p:spPr>
             <p:txBody>
               <a:bodyPr>
-                <a:normAutofit lnSpcReduction="10000"/>
+                <a:normAutofit/>
               </a:bodyPr>
               <a:lstStyle/>
               <a:p>
@@ -8518,7 +8518,7 @@
             </p:txBody>
           </p:sp>
         </mc:Choice>
-        <mc:Fallback xmlns="">
+        <mc:Fallback>
           <p:sp>
             <p:nvSpPr>
               <p:cNvPr id="3" name="Segnaposto contenuto 2">
@@ -8543,7 +8543,7 @@
               <a:blipFill>
                 <a:blip r:embed="rId2"/>
                 <a:stretch>
-                  <a:fillRect l="-956" t="-2429" r="-1062"/>
+                  <a:fillRect l="-956" t="-1795"/>
                 </a:stretch>
               </a:blipFill>
             </p:spPr>
@@ -10040,8 +10040,8 @@
           </a:p>
         </p:txBody>
       </p:sp>
-      <mc:AlternateContent xmlns:mc="http://schemas.openxmlformats.org/markup-compatibility/2006">
-        <mc:Choice xmlns:a14="http://schemas.microsoft.com/office/drawing/2010/main" Requires="a14">
+      <mc:AlternateContent xmlns:mc="http://schemas.openxmlformats.org/markup-compatibility/2006" xmlns:a14="http://schemas.microsoft.com/office/drawing/2010/main">
+        <mc:Choice Requires="a14">
           <p:sp>
             <p:nvSpPr>
               <p:cNvPr id="3" name="Segnaposto contenuto 2">
@@ -10248,7 +10248,7 @@
             </p:txBody>
           </p:sp>
         </mc:Choice>
-        <mc:Fallback>
+        <mc:Fallback xmlns="">
           <p:sp>
             <p:nvSpPr>
               <p:cNvPr id="3" name="Segnaposto contenuto 2">
@@ -10357,10 +10357,10 @@
       </p:sp>
       <p:pic>
         <p:nvPicPr>
-          <p:cNvPr id="5" name="Immagine 4">
+          <p:cNvPr id="4" name="Immagine 3">
             <a:extLst>
               <a:ext uri="{FF2B5EF4-FFF2-40B4-BE49-F238E27FC236}">
-                <a16:creationId xmlns:a16="http://schemas.microsoft.com/office/drawing/2014/main" id="{997C02C1-7263-1255-2DCA-D7456A520C42}"/>
+                <a16:creationId xmlns:a16="http://schemas.microsoft.com/office/drawing/2014/main" id="{82DC1B83-BE54-4DA7-9FF0-0C29FC7CDC68}"/>
               </a:ext>
             </a:extLst>
           </p:cNvPr>
@@ -10369,7 +10369,7 @@
           </p:cNvPicPr>
           <p:nvPr/>
         </p:nvPicPr>
-        <p:blipFill>
+        <p:blipFill rotWithShape="1">
           <a:blip r:embed="rId2">
             <a:extLst>
               <a:ext uri="{28A0092B-C50C-407E-A947-70E740481C1C}">
@@ -10377,48 +10377,13 @@
               </a:ext>
             </a:extLst>
           </a:blip>
-          <a:srcRect b="4642"/>
+          <a:srcRect l="12513" t="5696" r="10140" b="3171"/>
           <a:stretch/>
         </p:blipFill>
         <p:spPr>
           <a:xfrm>
-            <a:off x="3552825" y="1230086"/>
-            <a:ext cx="4174036" cy="5366657"/>
-          </a:xfrm>
-          <a:prstGeom prst="rect">
-            <a:avLst/>
-          </a:prstGeom>
-        </p:spPr>
-      </p:pic>
-      <p:pic>
-        <p:nvPicPr>
-          <p:cNvPr id="7" name="Immagine 6" descr="Immagine che contiene testo, Diagramma, linea, diagramma&#10;&#10;Il contenuto generato dall'IA potrebbe non essere corretto.">
-            <a:extLst>
-              <a:ext uri="{FF2B5EF4-FFF2-40B4-BE49-F238E27FC236}">
-                <a16:creationId xmlns:a16="http://schemas.microsoft.com/office/drawing/2014/main" id="{18792AA2-72D6-8BA7-B380-148C808AE817}"/>
-              </a:ext>
-            </a:extLst>
-          </p:cNvPr>
-          <p:cNvPicPr>
-            <a:picLocks noChangeAspect="1"/>
-          </p:cNvPicPr>
-          <p:nvPr/>
-        </p:nvPicPr>
-        <p:blipFill>
-          <a:blip r:embed="rId3">
-            <a:extLst>
-              <a:ext uri="{28A0092B-C50C-407E-A947-70E740481C1C}">
-                <a14:useLocalDpi xmlns:a14="http://schemas.microsoft.com/office/drawing/2010/main" val="0"/>
-              </a:ext>
-            </a:extLst>
-          </a:blip>
-          <a:srcRect l="10703" t="16542" r="6635" b="18583"/>
-          <a:stretch/>
-        </p:blipFill>
-        <p:spPr>
-          <a:xfrm rot="16200000">
-            <a:off x="18669" y="2985514"/>
-            <a:ext cx="4636008" cy="2432305"/>
+            <a:off x="3719408" y="936595"/>
+            <a:ext cx="4020498" cy="5921405"/>
           </a:xfrm>
           <a:prstGeom prst="rect">
             <a:avLst/>
